--- a/projekt_dl/SIGN LANGAUGE MNIST.pptx
+++ b/projekt_dl/SIGN LANGAUGE MNIST.pptx
@@ -18,9 +18,10 @@
     <p:sldId id="269" r:id="rId12"/>
     <p:sldId id="265" r:id="rId13"/>
     <p:sldId id="267" r:id="rId14"/>
-    <p:sldId id="266" r:id="rId15"/>
-    <p:sldId id="268" r:id="rId16"/>
-    <p:sldId id="271" r:id="rId17"/>
+    <p:sldId id="272" r:id="rId15"/>
+    <p:sldId id="266" r:id="rId16"/>
+    <p:sldId id="268" r:id="rId17"/>
+    <p:sldId id="271" r:id="rId18"/>
   </p:sldIdLst>
   <p:sldSz cx="12192000" cy="6858000"/>
   <p:notesSz cx="6858000" cy="9144000"/>
@@ -3570,13 +3571,6 @@
   <p:clrMapOvr>
     <a:masterClrMapping/>
   </p:clrMapOvr>
-  <p:timing>
-    <p:tnLst>
-      <p:par>
-        <p:cTn id="1" dur="indefinite" restart="never" nodeType="tmRoot"/>
-      </p:par>
-    </p:tnLst>
-  </p:timing>
 </p:sld>
 </file>
 
@@ -3970,15 +3964,17 @@
           </a:solidFill>
         </p:spPr>
         <p:txBody>
-          <a:bodyPr/>
+          <a:bodyPr>
+            <a:normAutofit/>
+          </a:bodyPr>
           <a:lstStyle/>
           <a:p>
             <a:pPr algn="ctr"/>
             <a:r>
-              <a:rPr lang="pl-PL" dirty="0">
+              <a:rPr lang="pl-PL" sz="2800" dirty="0">
                 <a:latin typeface="Libre Franklin" pitchFamily="2" charset="-18"/>
               </a:rPr>
-              <a:t>CONFUSION MATRIX</a:t>
+              <a:t>PREDYKCJA MODELU -CONFUSION MATRIX</a:t>
             </a:r>
           </a:p>
         </p:txBody>
@@ -4047,6 +4043,110 @@
           <p:cNvPr id="2" name="Tytuł 1">
             <a:extLst>
               <a:ext uri="{FF2B5EF4-FFF2-40B4-BE49-F238E27FC236}">
+                <a16:creationId xmlns:a16="http://schemas.microsoft.com/office/drawing/2014/main" id="{11F61B20-8CE4-B248-890B-905D01D6CFA9}"/>
+              </a:ext>
+            </a:extLst>
+          </p:cNvPr>
+          <p:cNvSpPr>
+            <a:spLocks noGrp="1"/>
+          </p:cNvSpPr>
+          <p:nvPr>
+            <p:ph type="title"/>
+          </p:nvPr>
+        </p:nvSpPr>
+        <p:spPr>
+          <a:xfrm>
+            <a:off x="838200" y="365126"/>
+            <a:ext cx="10515600" cy="692149"/>
+          </a:xfrm>
+          <a:solidFill>
+            <a:schemeClr val="accent2">
+              <a:lumMod val="40000"/>
+              <a:lumOff val="60000"/>
+            </a:schemeClr>
+          </a:solidFill>
+        </p:spPr>
+        <p:txBody>
+          <a:bodyPr>
+            <a:normAutofit/>
+          </a:bodyPr>
+          <a:lstStyle/>
+          <a:p>
+            <a:pPr algn="ctr"/>
+            <a:r>
+              <a:rPr lang="pl-PL" sz="3200" dirty="0">
+                <a:latin typeface="Libre Franklin" pitchFamily="2" charset="-18"/>
+              </a:rPr>
+              <a:t>PREDYKCJA MODELU - WIZUALIZACJA</a:t>
+            </a:r>
+          </a:p>
+        </p:txBody>
+      </p:sp>
+      <p:pic>
+        <p:nvPicPr>
+          <p:cNvPr id="5" name="Obraz 4">
+            <a:extLst>
+              <a:ext uri="{FF2B5EF4-FFF2-40B4-BE49-F238E27FC236}">
+                <a16:creationId xmlns:a16="http://schemas.microsoft.com/office/drawing/2014/main" id="{2FD2655C-88B1-46C0-7AC7-F6157BA645BA}"/>
+              </a:ext>
+            </a:extLst>
+          </p:cNvPr>
+          <p:cNvPicPr>
+            <a:picLocks noChangeAspect="1"/>
+          </p:cNvPicPr>
+          <p:nvPr/>
+        </p:nvPicPr>
+        <p:blipFill>
+          <a:blip r:embed="rId2"/>
+          <a:stretch>
+            <a:fillRect/>
+          </a:stretch>
+        </p:blipFill>
+        <p:spPr>
+          <a:xfrm>
+            <a:off x="2581275" y="1285875"/>
+            <a:ext cx="6420329" cy="5415425"/>
+          </a:xfrm>
+          <a:prstGeom prst="rect">
+            <a:avLst/>
+          </a:prstGeom>
+        </p:spPr>
+      </p:pic>
+    </p:spTree>
+    <p:extLst>
+      <p:ext uri="{BB962C8B-B14F-4D97-AF65-F5344CB8AC3E}">
+        <p14:creationId xmlns:p14="http://schemas.microsoft.com/office/powerpoint/2010/main" val="96361742"/>
+      </p:ext>
+    </p:extLst>
+  </p:cSld>
+  <p:clrMapOvr>
+    <a:masterClrMapping/>
+  </p:clrMapOvr>
+</p:sld>
+</file>
+
+<file path=ppt/slides/slide15.xml><?xml version="1.0" encoding="utf-8"?>
+<p:sld xmlns:a="http://schemas.openxmlformats.org/drawingml/2006/main" xmlns:r="http://schemas.openxmlformats.org/officeDocument/2006/relationships" xmlns:p="http://schemas.openxmlformats.org/presentationml/2006/main">
+  <p:cSld>
+    <p:spTree>
+      <p:nvGrpSpPr>
+        <p:cNvPr id="1" name=""/>
+        <p:cNvGrpSpPr/>
+        <p:nvPr/>
+      </p:nvGrpSpPr>
+      <p:grpSpPr>
+        <a:xfrm>
+          <a:off x="0" y="0"/>
+          <a:ext cx="0" cy="0"/>
+          <a:chOff x="0" y="0"/>
+          <a:chExt cx="0" cy="0"/>
+        </a:xfrm>
+      </p:grpSpPr>
+      <p:sp>
+        <p:nvSpPr>
+          <p:cNvPr id="2" name="Tytuł 1">
+            <a:extLst>
+              <a:ext uri="{FF2B5EF4-FFF2-40B4-BE49-F238E27FC236}">
                 <a16:creationId xmlns:a16="http://schemas.microsoft.com/office/drawing/2014/main" id="{2DD32195-5437-0A1C-8200-4AE4C193C4C3}"/>
               </a:ext>
             </a:extLst>
@@ -4163,7 +4263,7 @@
 </p:sld>
 </file>
 
-<file path=ppt/slides/slide15.xml><?xml version="1.0" encoding="utf-8"?>
+<file path=ppt/slides/slide16.xml><?xml version="1.0" encoding="utf-8"?>
 <p:sld xmlns:a="http://schemas.openxmlformats.org/drawingml/2006/main" xmlns:r="http://schemas.openxmlformats.org/officeDocument/2006/relationships" xmlns:p="http://schemas.openxmlformats.org/presentationml/2006/main">
   <p:cSld>
     <p:spTree>
@@ -4264,9 +4364,17 @@
 </p:sld>
 </file>
 
-<file path=ppt/slides/slide16.xml><?xml version="1.0" encoding="utf-8"?>
+<file path=ppt/slides/slide17.xml><?xml version="1.0" encoding="utf-8"?>
 <p:sld xmlns:a="http://schemas.openxmlformats.org/drawingml/2006/main" xmlns:r="http://schemas.openxmlformats.org/officeDocument/2006/relationships" xmlns:p="http://schemas.openxmlformats.org/presentationml/2006/main">
   <p:cSld>
+    <p:bg>
+      <p:bgPr>
+        <a:solidFill>
+          <a:schemeClr val="bg1"/>
+        </a:solidFill>
+        <a:effectLst/>
+      </p:bgPr>
+    </p:bg>
     <p:spTree>
       <p:nvGrpSpPr>
         <p:cNvPr id="1" name=""/>
@@ -4309,14 +4417,13 @@
           <a:p>
             <a:pPr algn="r"/>
             <a:r>
-              <a:rPr lang="pl-PL" b="1" i="1" dirty="0" smtClean="0"/>
-              <a:t>Dziękujemy</a:t>
-            </a:r>
-            <a:r>
-              <a:rPr lang="pl-PL" dirty="0" smtClean="0"/>
+              <a:rPr lang="pl-PL" b="1" i="1" dirty="0"/>
+              <a:t>Dziękujemy   </a:t>
+            </a:r>
+            <a:r>
+              <a:rPr lang="pl-PL" dirty="0"/>
               <a:t> </a:t>
             </a:r>
-            <a:endParaRPr lang="pl-PL" dirty="0"/>
           </a:p>
         </p:txBody>
       </p:sp>
@@ -4447,6 +4554,7 @@
           </a:bodyPr>
           <a:lstStyle/>
           <a:p>
+            <a:pPr algn="just"/>
             <a:r>
               <a:rPr lang="pl-PL" dirty="0">
                 <a:solidFill>
@@ -4472,6 +4580,7 @@
             </a:endParaRPr>
           </a:p>
           <a:p>
+            <a:pPr algn="just"/>
             <a:r>
               <a:rPr lang="pl-PL" b="0" i="0" dirty="0">
                 <a:solidFill>
@@ -4484,6 +4593,7 @@
             </a:r>
           </a:p>
           <a:p>
+            <a:pPr algn="just"/>
             <a:r>
               <a:rPr lang="pl-PL" b="0" i="0" dirty="0">
                 <a:solidFill>
@@ -4502,6 +4612,7 @@
             </a:endParaRPr>
           </a:p>
           <a:p>
+            <a:pPr algn="just"/>
             <a:r>
               <a:rPr lang="pl-PL" b="0" i="0" dirty="0">
                 <a:solidFill>
@@ -4528,13 +4639,6 @@
   <p:clrMapOvr>
     <a:masterClrMapping/>
   </p:clrMapOvr>
-  <p:timing>
-    <p:tnLst>
-      <p:par>
-        <p:cTn id="1" dur="indefinite" restart="never" nodeType="tmRoot"/>
-      </p:par>
-    </p:tnLst>
-  </p:timing>
 </p:sld>
 </file>
 
@@ -4620,6 +4724,7 @@
           <a:bodyPr/>
           <a:lstStyle/>
           <a:p>
+            <a:pPr algn="just"/>
             <a:r>
               <a:rPr lang="pl-PL" b="0" i="0" dirty="0">
                 <a:effectLst/>
@@ -4629,6 +4734,7 @@
             </a:r>
           </a:p>
           <a:p>
+            <a:pPr algn="just"/>
             <a:r>
               <a:rPr lang="pl-PL" b="0" i="0" dirty="0">
                 <a:effectLst/>
@@ -4638,6 +4744,7 @@
             </a:r>
           </a:p>
           <a:p>
+            <a:pPr algn="just"/>
             <a:r>
               <a:rPr lang="pl-PL" b="0" i="0" dirty="0">
                 <a:effectLst/>
@@ -4650,6 +4757,7 @@
             </a:endParaRPr>
           </a:p>
           <a:p>
+            <a:pPr algn="just"/>
             <a:r>
               <a:rPr lang="pl-PL" b="0" i="0" dirty="0">
                 <a:effectLst/>
@@ -4659,6 +4767,7 @@
             </a:r>
           </a:p>
           <a:p>
+            <a:pPr algn="just"/>
             <a:r>
               <a:rPr lang="pl-PL" dirty="0">
                 <a:latin typeface="Libre Franklin" pitchFamily="2" charset="-18"/>
@@ -4685,13 +4794,6 @@
   <p:clrMapOvr>
     <a:masterClrMapping/>
   </p:clrMapOvr>
-  <p:timing>
-    <p:tnLst>
-      <p:par>
-        <p:cTn id="1" dur="indefinite" restart="never" nodeType="tmRoot"/>
-      </p:par>
-    </p:tnLst>
-  </p:timing>
 </p:sld>
 </file>
 
@@ -4779,6 +4881,7 @@
           </a:bodyPr>
           <a:lstStyle/>
           <a:p>
+            <a:pPr algn="just"/>
             <a:r>
               <a:rPr lang="pl-PL" dirty="0">
                 <a:latin typeface="Libre Franklin" pitchFamily="2" charset="-18"/>
@@ -4787,7 +4890,7 @@
             </a:r>
           </a:p>
           <a:p>
-            <a:pPr marL="0" indent="0">
+            <a:pPr marL="0" indent="0" algn="just">
               <a:buNone/>
             </a:pPr>
             <a:endParaRPr lang="pl-PL" dirty="0">
@@ -4795,6 +4898,7 @@
             </a:endParaRPr>
           </a:p>
           <a:p>
+            <a:pPr algn="just"/>
             <a:r>
               <a:rPr lang="pl-PL" dirty="0">
                 <a:latin typeface="Libre Franklin" pitchFamily="2" charset="-18"/>
@@ -4815,11 +4919,13 @@
             </a:r>
           </a:p>
           <a:p>
+            <a:pPr algn="just"/>
             <a:endParaRPr lang="pl-PL" dirty="0">
               <a:latin typeface="Libre Franklin" pitchFamily="2" charset="-18"/>
             </a:endParaRPr>
           </a:p>
           <a:p>
+            <a:pPr algn="just"/>
             <a:r>
               <a:rPr lang="pl-PL" dirty="0">
                 <a:latin typeface="Libre Franklin" pitchFamily="2" charset="-18"/>
@@ -4839,13 +4945,6 @@
   <p:clrMapOvr>
     <a:masterClrMapping/>
   </p:clrMapOvr>
-  <p:timing>
-    <p:tnLst>
-      <p:par>
-        <p:cTn id="1" dur="indefinite" restart="never" nodeType="tmRoot"/>
-      </p:par>
-    </p:tnLst>
-  </p:timing>
 </p:sld>
 </file>
 
@@ -5026,13 +5125,6 @@
   <p:clrMapOvr>
     <a:masterClrMapping/>
   </p:clrMapOvr>
-  <p:timing>
-    <p:tnLst>
-      <p:par>
-        <p:cTn id="1" dur="indefinite" restart="never" nodeType="tmRoot"/>
-      </p:par>
-    </p:tnLst>
-  </p:timing>
 </p:sld>
 </file>
 
@@ -5396,13 +5488,6 @@
   <p:clrMapOvr>
     <a:masterClrMapping/>
   </p:clrMapOvr>
-  <p:timing>
-    <p:tnLst>
-      <p:par>
-        <p:cTn id="1" dur="indefinite" restart="never" nodeType="tmRoot"/>
-      </p:par>
-    </p:tnLst>
-  </p:timing>
 </p:sld>
 </file>
 
@@ -5607,38 +5692,37 @@
               <a:t>   - </a:t>
             </a:r>
             <a:r>
-              <a:rPr lang="pl-PL" sz="2400" dirty="0" err="1" smtClean="0"/>
+              <a:rPr lang="pl-PL" sz="2400" dirty="0" err="1"/>
               <a:t>callbacks</a:t>
             </a:r>
             <a:r>
-              <a:rPr lang="pl-PL" sz="2400" dirty="0" smtClean="0"/>
+              <a:rPr lang="pl-PL" sz="2400" dirty="0"/>
               <a:t> (</a:t>
             </a:r>
             <a:r>
-              <a:rPr lang="pl-PL" sz="1800" dirty="0" err="1" smtClean="0"/>
+              <a:rPr lang="pl-PL" sz="1800" dirty="0" err="1"/>
               <a:t>EarlyStopping</a:t>
             </a:r>
             <a:r>
-              <a:rPr lang="pl-PL" sz="1800" dirty="0" smtClean="0"/>
+              <a:rPr lang="pl-PL" sz="1800" dirty="0"/>
               <a:t> – </a:t>
             </a:r>
             <a:r>
-              <a:rPr lang="pl-PL" sz="1800" dirty="0" err="1" smtClean="0"/>
+              <a:rPr lang="pl-PL" sz="1800" dirty="0" err="1"/>
               <a:t>patience</a:t>
             </a:r>
             <a:r>
-              <a:rPr lang="pl-PL" sz="1800" dirty="0" smtClean="0"/>
+              <a:rPr lang="pl-PL" sz="1800" dirty="0"/>
               <a:t> =10, </a:t>
             </a:r>
             <a:r>
-              <a:rPr lang="pl-PL" sz="1800" dirty="0" err="1" smtClean="0"/>
+              <a:rPr lang="pl-PL" sz="1800" dirty="0" err="1"/>
               <a:t>ReduceLROnPlateau</a:t>
             </a:r>
             <a:r>
-              <a:rPr lang="pl-PL" dirty="0" smtClean="0"/>
+              <a:rPr lang="pl-PL" dirty="0"/>
               <a:t>)</a:t>
             </a:r>
-            <a:endParaRPr lang="pl-PL" dirty="0"/>
           </a:p>
           <a:p>
             <a:pPr marL="0" indent="0">
@@ -5670,13 +5754,6 @@
   <p:clrMapOvr>
     <a:masterClrMapping/>
   </p:clrMapOvr>
-  <p:timing>
-    <p:tnLst>
-      <p:par>
-        <p:cTn id="1" dur="indefinite" restart="never" nodeType="tmRoot"/>
-      </p:par>
-    </p:tnLst>
-  </p:timing>
 </p:sld>
 </file>
 
@@ -5727,14 +5804,11 @@
           <a:p>
             <a:pPr algn="ctr"/>
             <a:r>
-              <a:rPr lang="pl-PL" sz="3600" dirty="0" smtClean="0">
+              <a:rPr lang="pl-PL" sz="3600" dirty="0">
                 <a:latin typeface="Libre Franklin"/>
               </a:rPr>
               <a:t>PORÓWNANIE MODELI</a:t>
             </a:r>
-            <a:endParaRPr lang="pl-PL" sz="3600" dirty="0">
-              <a:latin typeface="Libre Franklin"/>
-            </a:endParaRPr>
           </a:p>
         </p:txBody>
       </p:sp>
@@ -5800,10 +5874,9 @@
                     <a:lstStyle/>
                     <a:p>
                       <a:r>
-                        <a:rPr lang="pl-PL" dirty="0" smtClean="0"/>
+                        <a:rPr lang="pl-PL" dirty="0"/>
                         <a:t>Model</a:t>
                       </a:r>
-                      <a:endParaRPr lang="pl-PL" dirty="0"/>
                     </a:p>
                   </a:txBody>
                   <a:tcPr/>
@@ -5814,7 +5887,7 @@
                     <a:lstStyle/>
                     <a:p>
                       <a:r>
-                        <a:rPr lang="pl-PL" dirty="0" err="1" smtClean="0"/>
+                        <a:rPr lang="pl-PL" dirty="0" err="1"/>
                         <a:t>Accuracy</a:t>
                       </a:r>
                       <a:endParaRPr lang="pl-PL" dirty="0"/>
@@ -5828,10 +5901,9 @@
                     <a:lstStyle/>
                     <a:p>
                       <a:r>
-                        <a:rPr lang="pl-PL" dirty="0" smtClean="0"/>
+                        <a:rPr lang="pl-PL" dirty="0"/>
                         <a:t>Liczba warstw</a:t>
                       </a:r>
-                      <a:endParaRPr lang="pl-PL" dirty="0"/>
                     </a:p>
                   </a:txBody>
                   <a:tcPr/>
@@ -5842,10 +5914,9 @@
                     <a:lstStyle/>
                     <a:p>
                       <a:r>
-                        <a:rPr lang="pl-PL" dirty="0" smtClean="0"/>
+                        <a:rPr lang="pl-PL" dirty="0"/>
                         <a:t>Zastosowano dodatkowo</a:t>
                       </a:r>
-                      <a:endParaRPr lang="pl-PL" dirty="0"/>
                     </a:p>
                   </a:txBody>
                   <a:tcPr/>
@@ -5863,10 +5934,9 @@
                     <a:lstStyle/>
                     <a:p>
                       <a:r>
-                        <a:rPr lang="pl-PL" dirty="0" smtClean="0"/>
+                        <a:rPr lang="pl-PL" dirty="0"/>
                         <a:t>Model_1</a:t>
                       </a:r>
-                      <a:endParaRPr lang="pl-PL" dirty="0"/>
                     </a:p>
                   </a:txBody>
                   <a:tcPr/>
@@ -5877,10 +5947,9 @@
                     <a:lstStyle/>
                     <a:p>
                       <a:r>
-                        <a:rPr lang="pl-PL" dirty="0" smtClean="0"/>
+                        <a:rPr lang="pl-PL" dirty="0"/>
                         <a:t>0,8658</a:t>
                       </a:r>
-                      <a:endParaRPr lang="pl-PL" dirty="0"/>
                     </a:p>
                   </a:txBody>
                   <a:tcPr/>
@@ -5891,10 +5960,9 @@
                     <a:lstStyle/>
                     <a:p>
                       <a:r>
-                        <a:rPr lang="pl-PL" dirty="0" smtClean="0"/>
+                        <a:rPr lang="pl-PL" dirty="0"/>
                         <a:t>9</a:t>
                       </a:r>
-                      <a:endParaRPr lang="pl-PL" dirty="0"/>
                     </a:p>
                   </a:txBody>
                   <a:tcPr/>
@@ -5922,10 +5990,9 @@
                     <a:lstStyle/>
                     <a:p>
                       <a:r>
-                        <a:rPr lang="pl-PL" dirty="0" smtClean="0"/>
+                        <a:rPr lang="pl-PL" dirty="0"/>
                         <a:t>Model_2</a:t>
                       </a:r>
-                      <a:endParaRPr lang="pl-PL" dirty="0"/>
                     </a:p>
                   </a:txBody>
                   <a:tcPr/>
@@ -5936,10 +6003,9 @@
                     <a:lstStyle/>
                     <a:p>
                       <a:r>
-                        <a:rPr lang="pl-PL" dirty="0" smtClean="0"/>
+                        <a:rPr lang="pl-PL" dirty="0"/>
                         <a:t>0,9464</a:t>
                       </a:r>
-                      <a:endParaRPr lang="pl-PL" dirty="0"/>
                     </a:p>
                   </a:txBody>
                   <a:tcPr/>
@@ -5950,10 +6016,9 @@
                     <a:lstStyle/>
                     <a:p>
                       <a:r>
-                        <a:rPr lang="pl-PL" dirty="0" smtClean="0"/>
+                        <a:rPr lang="pl-PL" dirty="0"/>
                         <a:t>10</a:t>
                       </a:r>
-                      <a:endParaRPr lang="pl-PL" dirty="0"/>
                     </a:p>
                   </a:txBody>
                   <a:tcPr/>
@@ -5981,10 +6046,9 @@
                     <a:lstStyle/>
                     <a:p>
                       <a:r>
-                        <a:rPr lang="pl-PL" dirty="0" smtClean="0"/>
+                        <a:rPr lang="pl-PL" dirty="0"/>
                         <a:t>Model_3</a:t>
                       </a:r>
-                      <a:endParaRPr lang="pl-PL" dirty="0"/>
                     </a:p>
                   </a:txBody>
                   <a:tcPr/>
@@ -5995,10 +6059,9 @@
                     <a:lstStyle/>
                     <a:p>
                       <a:r>
-                        <a:rPr lang="pl-PL" dirty="0" smtClean="0"/>
+                        <a:rPr lang="pl-PL" dirty="0"/>
                         <a:t>0,8626</a:t>
                       </a:r>
-                      <a:endParaRPr lang="pl-PL" dirty="0"/>
                     </a:p>
                   </a:txBody>
                   <a:tcPr/>
@@ -6009,10 +6072,9 @@
                     <a:lstStyle/>
                     <a:p>
                       <a:r>
-                        <a:rPr lang="pl-PL" dirty="0" smtClean="0"/>
+                        <a:rPr lang="pl-PL" dirty="0"/>
                         <a:t>13</a:t>
                       </a:r>
-                      <a:endParaRPr lang="pl-PL" dirty="0"/>
                     </a:p>
                   </a:txBody>
                   <a:tcPr/>
@@ -6040,15 +6102,15 @@
                         <a:defRPr/>
                       </a:pPr>
                       <a:r>
-                        <a:rPr lang="pl-PL" dirty="0" err="1" smtClean="0"/>
+                        <a:rPr lang="pl-PL" dirty="0" err="1"/>
                         <a:t>Dropout</a:t>
                       </a:r>
                       <a:r>
-                        <a:rPr lang="pl-PL" dirty="0" smtClean="0"/>
+                        <a:rPr lang="pl-PL" dirty="0"/>
                         <a:t>, </a:t>
                       </a:r>
                       <a:r>
-                        <a:rPr lang="pl-PL" sz="1800" b="0" i="0" kern="1200" dirty="0" err="1" smtClean="0">
+                        <a:rPr lang="pl-PL" sz="1800" b="0" i="0" kern="1200" dirty="0" err="1">
                           <a:solidFill>
                             <a:schemeClr val="dk1"/>
                           </a:solidFill>
@@ -6059,7 +6121,7 @@
                         </a:rPr>
                         <a:t>BatchNormalization</a:t>
                       </a:r>
-                      <a:endParaRPr lang="pl-PL" sz="1800" b="0" i="0" kern="1200" dirty="0" smtClean="0">
+                      <a:endParaRPr lang="pl-PL" sz="1800" b="0" i="0" kern="1200" dirty="0">
                         <a:solidFill>
                           <a:schemeClr val="dk1"/>
                         </a:solidFill>
@@ -6085,10 +6147,9 @@
                     <a:lstStyle/>
                     <a:p>
                       <a:r>
-                        <a:rPr lang="pl-PL" dirty="0" smtClean="0"/>
+                        <a:rPr lang="pl-PL" dirty="0"/>
                         <a:t>Model_4</a:t>
                       </a:r>
-                      <a:endParaRPr lang="pl-PL" dirty="0"/>
                     </a:p>
                   </a:txBody>
                   <a:tcPr/>
@@ -6099,10 +6160,9 @@
                     <a:lstStyle/>
                     <a:p>
                       <a:r>
-                        <a:rPr lang="pl-PL" dirty="0" smtClean="0"/>
+                        <a:rPr lang="pl-PL" dirty="0"/>
                         <a:t>0,9675</a:t>
                       </a:r>
-                      <a:endParaRPr lang="pl-PL" dirty="0"/>
                     </a:p>
                   </a:txBody>
                   <a:tcPr/>
@@ -6113,10 +6173,9 @@
                     <a:lstStyle/>
                     <a:p>
                       <a:r>
-                        <a:rPr lang="pl-PL" dirty="0" smtClean="0"/>
+                        <a:rPr lang="pl-PL" dirty="0"/>
                         <a:t>13</a:t>
                       </a:r>
-                      <a:endParaRPr lang="pl-PL" dirty="0"/>
                     </a:p>
                   </a:txBody>
                   <a:tcPr/>
@@ -6144,15 +6203,15 @@
                         <a:defRPr/>
                       </a:pPr>
                       <a:r>
-                        <a:rPr lang="pl-PL" dirty="0" err="1" smtClean="0"/>
+                        <a:rPr lang="pl-PL" dirty="0" err="1"/>
                         <a:t>Dropout</a:t>
                       </a:r>
                       <a:r>
-                        <a:rPr lang="pl-PL" dirty="0" smtClean="0"/>
+                        <a:rPr lang="pl-PL" dirty="0"/>
                         <a:t>, </a:t>
                       </a:r>
                       <a:r>
-                        <a:rPr lang="pl-PL" sz="1800" b="0" i="0" kern="1200" dirty="0" err="1" smtClean="0">
+                        <a:rPr lang="pl-PL" sz="1800" b="0" i="0" kern="1200" dirty="0" err="1">
                           <a:solidFill>
                             <a:schemeClr val="dk1"/>
                           </a:solidFill>
@@ -6164,7 +6223,7 @@
                         <a:t>BatchNormalization</a:t>
                       </a:r>
                       <a:r>
-                        <a:rPr lang="pl-PL" sz="1800" b="0" i="0" kern="1200" dirty="0" smtClean="0">
+                        <a:rPr lang="pl-PL" sz="1800" b="0" i="0" kern="1200" dirty="0">
                           <a:solidFill>
                             <a:schemeClr val="dk1"/>
                           </a:solidFill>
@@ -6176,7 +6235,7 @@
                         <a:t>,</a:t>
                       </a:r>
                       <a:r>
-                        <a:rPr lang="pl-PL" sz="1800" b="0" i="0" kern="1200" baseline="0" dirty="0" smtClean="0">
+                        <a:rPr lang="pl-PL" sz="1800" b="0" i="0" kern="1200" baseline="0" dirty="0">
                           <a:solidFill>
                             <a:schemeClr val="dk1"/>
                           </a:solidFill>
@@ -6188,7 +6247,7 @@
                         <a:t> </a:t>
                       </a:r>
                       <a:r>
-                        <a:rPr lang="pl-PL" sz="1800" b="0" i="0" kern="1200" baseline="0" dirty="0" err="1" smtClean="0">
+                        <a:rPr lang="pl-PL" sz="1800" b="0" i="0" kern="1200" baseline="0" dirty="0" err="1">
                           <a:solidFill>
                             <a:schemeClr val="dk1"/>
                           </a:solidFill>
@@ -6200,7 +6259,7 @@
                         <a:t>Callbacks</a:t>
                       </a:r>
                       <a:r>
-                        <a:rPr lang="pl-PL" sz="1800" b="0" i="0" kern="1200" baseline="0" dirty="0" smtClean="0">
+                        <a:rPr lang="pl-PL" sz="1800" b="0" i="0" kern="1200" baseline="0" dirty="0">
                           <a:solidFill>
                             <a:schemeClr val="dk1"/>
                           </a:solidFill>
@@ -6212,7 +6271,7 @@
                         <a:t> (</a:t>
                       </a:r>
                       <a:r>
-                        <a:rPr lang="pl-PL" sz="1800" b="0" kern="1200" dirty="0" err="1" smtClean="0">
+                        <a:rPr lang="pl-PL" sz="1800" b="0" kern="1200" dirty="0" err="1">
                           <a:solidFill>
                             <a:schemeClr val="dk1"/>
                           </a:solidFill>
@@ -6224,7 +6283,7 @@
                         <a:t>EarlyStopping</a:t>
                       </a:r>
                       <a:r>
-                        <a:rPr lang="pl-PL" sz="1800" b="0" kern="1200" baseline="0" dirty="0" smtClean="0">
+                        <a:rPr lang="pl-PL" sz="1800" b="0" kern="1200" baseline="0" dirty="0">
                           <a:solidFill>
                             <a:schemeClr val="dk1"/>
                           </a:solidFill>
@@ -6236,7 +6295,7 @@
                         <a:t> -</a:t>
                       </a:r>
                       <a:r>
-                        <a:rPr lang="pl-PL" sz="1800" b="0" kern="1200" dirty="0" err="1" smtClean="0">
+                        <a:rPr lang="pl-PL" sz="1800" b="0" kern="1200" dirty="0" err="1">
                           <a:solidFill>
                             <a:schemeClr val="dk1"/>
                           </a:solidFill>
@@ -6248,7 +6307,7 @@
                         <a:t>patience</a:t>
                       </a:r>
                       <a:r>
-                        <a:rPr lang="pl-PL" sz="1800" b="0" kern="1200" dirty="0" smtClean="0">
+                        <a:rPr lang="pl-PL" sz="1800" b="0" kern="1200" dirty="0">
                           <a:solidFill>
                             <a:schemeClr val="dk1"/>
                           </a:solidFill>
@@ -6260,7 +6319,7 @@
                         <a:t>=10, </a:t>
                       </a:r>
                       <a:r>
-                        <a:rPr lang="pl-PL" sz="1800" b="0" kern="1200" dirty="0" err="1" smtClean="0">
+                        <a:rPr lang="pl-PL" sz="1800" b="0" kern="1200" dirty="0" err="1">
                           <a:solidFill>
                             <a:schemeClr val="dk1"/>
                           </a:solidFill>
@@ -6272,7 +6331,7 @@
                         <a:t>ReduceLROnPlateau</a:t>
                       </a:r>
                       <a:r>
-                        <a:rPr lang="pl-PL" sz="1800" b="0" kern="1200" dirty="0" smtClean="0">
+                        <a:rPr lang="pl-PL" sz="1800" b="0" kern="1200" dirty="0">
                           <a:solidFill>
                             <a:schemeClr val="dk1"/>
                           </a:solidFill>
@@ -6283,7 +6342,7 @@
                         </a:rPr>
                         <a:t>)</a:t>
                       </a:r>
-                      <a:endParaRPr lang="pl-PL" sz="1800" b="0" i="0" kern="1200" dirty="0" smtClean="0">
+                      <a:endParaRPr lang="pl-PL" sz="1800" b="0" i="0" kern="1200" dirty="0">
                         <a:solidFill>
                           <a:schemeClr val="dk1"/>
                         </a:solidFill>
@@ -6309,10 +6368,9 @@
                     <a:lstStyle/>
                     <a:p>
                       <a:r>
-                        <a:rPr lang="pl-PL" dirty="0" smtClean="0"/>
+                        <a:rPr lang="pl-PL" dirty="0"/>
                         <a:t>Model_5</a:t>
                       </a:r>
-                      <a:endParaRPr lang="pl-PL" dirty="0"/>
                     </a:p>
                   </a:txBody>
                   <a:tcPr/>
@@ -6323,10 +6381,9 @@
                     <a:lstStyle/>
                     <a:p>
                       <a:r>
-                        <a:rPr lang="pl-PL" dirty="0" smtClean="0"/>
+                        <a:rPr lang="pl-PL" dirty="0"/>
                         <a:t>0,9979</a:t>
                       </a:r>
-                      <a:endParaRPr lang="pl-PL" dirty="0"/>
                     </a:p>
                   </a:txBody>
                   <a:tcPr/>
@@ -6337,10 +6394,9 @@
                     <a:lstStyle/>
                     <a:p>
                       <a:r>
-                        <a:rPr lang="pl-PL" dirty="0" smtClean="0"/>
+                        <a:rPr lang="pl-PL" dirty="0"/>
                         <a:t>13</a:t>
                       </a:r>
-                      <a:endParaRPr lang="pl-PL" dirty="0"/>
                     </a:p>
                   </a:txBody>
                   <a:tcPr/>
@@ -6368,15 +6424,15 @@
                         <a:defRPr/>
                       </a:pPr>
                       <a:r>
-                        <a:rPr lang="pl-PL" dirty="0" err="1" smtClean="0"/>
+                        <a:rPr lang="pl-PL" dirty="0" err="1"/>
                         <a:t>Dropout</a:t>
                       </a:r>
                       <a:r>
-                        <a:rPr lang="pl-PL" dirty="0" smtClean="0"/>
+                        <a:rPr lang="pl-PL" dirty="0"/>
                         <a:t>, </a:t>
                       </a:r>
                       <a:r>
-                        <a:rPr lang="pl-PL" sz="1800" b="0" i="0" kern="1200" dirty="0" err="1" smtClean="0">
+                        <a:rPr lang="pl-PL" sz="1800" b="0" i="0" kern="1200" dirty="0" err="1">
                           <a:solidFill>
                             <a:schemeClr val="dk1"/>
                           </a:solidFill>
@@ -6388,7 +6444,7 @@
                         <a:t>BatchNormalization</a:t>
                       </a:r>
                       <a:r>
-                        <a:rPr lang="pl-PL" sz="1800" b="0" i="0" kern="1200" dirty="0" smtClean="0">
+                        <a:rPr lang="pl-PL" sz="1800" b="0" i="0" kern="1200" dirty="0">
                           <a:solidFill>
                             <a:schemeClr val="dk1"/>
                           </a:solidFill>
@@ -6400,7 +6456,7 @@
                         <a:t>,</a:t>
                       </a:r>
                       <a:r>
-                        <a:rPr lang="pl-PL" sz="1800" b="0" i="0" kern="1200" baseline="0" dirty="0" smtClean="0">
+                        <a:rPr lang="pl-PL" sz="1800" b="0" i="0" kern="1200" baseline="0" dirty="0">
                           <a:solidFill>
                             <a:schemeClr val="dk1"/>
                           </a:solidFill>
@@ -6412,7 +6468,7 @@
                         <a:t> </a:t>
                       </a:r>
                       <a:r>
-                        <a:rPr lang="pl-PL" sz="1800" b="0" i="0" kern="1200" baseline="0" dirty="0" err="1" smtClean="0">
+                        <a:rPr lang="pl-PL" sz="1800" b="0" i="0" kern="1200" baseline="0" dirty="0" err="1">
                           <a:solidFill>
                             <a:schemeClr val="dk1"/>
                           </a:solidFill>
@@ -6424,7 +6480,7 @@
                         <a:t>Callbacks</a:t>
                       </a:r>
                       <a:r>
-                        <a:rPr lang="pl-PL" sz="1800" b="0" i="0" kern="1200" baseline="0" dirty="0" smtClean="0">
+                        <a:rPr lang="pl-PL" sz="1800" b="0" i="0" kern="1200" baseline="0" dirty="0">
                           <a:solidFill>
                             <a:schemeClr val="dk1"/>
                           </a:solidFill>
@@ -6436,7 +6492,7 @@
                         <a:t> (</a:t>
                       </a:r>
                       <a:r>
-                        <a:rPr lang="pl-PL" sz="1800" b="0" kern="1200" dirty="0" err="1" smtClean="0">
+                        <a:rPr lang="pl-PL" sz="1800" b="0" kern="1200" dirty="0" err="1">
                           <a:solidFill>
                             <a:schemeClr val="dk1"/>
                           </a:solidFill>
@@ -6448,7 +6504,7 @@
                         <a:t>EarlyStopping</a:t>
                       </a:r>
                       <a:r>
-                        <a:rPr lang="pl-PL" sz="1800" b="0" kern="1200" baseline="0" dirty="0" smtClean="0">
+                        <a:rPr lang="pl-PL" sz="1800" b="0" kern="1200" baseline="0" dirty="0">
                           <a:solidFill>
                             <a:schemeClr val="dk1"/>
                           </a:solidFill>
@@ -6460,7 +6516,7 @@
                         <a:t> -</a:t>
                       </a:r>
                       <a:r>
-                        <a:rPr lang="pl-PL" sz="1800" b="0" kern="1200" dirty="0" err="1" smtClean="0">
+                        <a:rPr lang="pl-PL" sz="1800" b="0" kern="1200" dirty="0" err="1">
                           <a:solidFill>
                             <a:schemeClr val="dk1"/>
                           </a:solidFill>
@@ -6472,7 +6528,7 @@
                         <a:t>patience</a:t>
                       </a:r>
                       <a:r>
-                        <a:rPr lang="pl-PL" sz="1800" b="0" kern="1200" dirty="0" smtClean="0">
+                        <a:rPr lang="pl-PL" sz="1800" b="0" kern="1200" dirty="0">
                           <a:solidFill>
                             <a:schemeClr val="dk1"/>
                           </a:solidFill>
@@ -6484,7 +6540,7 @@
                         <a:t>=10, </a:t>
                       </a:r>
                       <a:r>
-                        <a:rPr lang="pl-PL" sz="1800" b="0" kern="1200" dirty="0" err="1" smtClean="0">
+                        <a:rPr lang="pl-PL" sz="1800" b="0" kern="1200" dirty="0" err="1">
                           <a:solidFill>
                             <a:schemeClr val="dk1"/>
                           </a:solidFill>
@@ -6496,7 +6552,7 @@
                         <a:t>ReduceLROnPlateau</a:t>
                       </a:r>
                       <a:r>
-                        <a:rPr lang="pl-PL" sz="1800" b="0" kern="1200" dirty="0" smtClean="0">
+                        <a:rPr lang="pl-PL" sz="1800" b="0" kern="1200" dirty="0">
                           <a:solidFill>
                             <a:schemeClr val="dk1"/>
                           </a:solidFill>
@@ -6507,7 +6563,7 @@
                         </a:rPr>
                         <a:t>), augmentacja</a:t>
                       </a:r>
-                      <a:endParaRPr lang="pl-PL" sz="1800" b="0" i="0" kern="1200" dirty="0" smtClean="0">
+                      <a:endParaRPr lang="pl-PL" sz="1800" b="0" i="0" kern="1200" dirty="0">
                         <a:solidFill>
                           <a:schemeClr val="dk1"/>
                         </a:solidFill>
@@ -6543,13 +6599,6 @@
   <p:clrMapOvr>
     <a:masterClrMapping/>
   </p:clrMapOvr>
-  <p:timing>
-    <p:tnLst>
-      <p:par>
-        <p:cTn id="1" dur="indefinite" restart="never" nodeType="tmRoot"/>
-      </p:par>
-    </p:tnLst>
-  </p:timing>
 </p:sld>
 </file>
 
@@ -6708,13 +6757,6 @@
   <p:clrMapOvr>
     <a:masterClrMapping/>
   </p:clrMapOvr>
-  <p:timing>
-    <p:tnLst>
-      <p:par>
-        <p:cTn id="1" dur="indefinite" restart="never" nodeType="tmRoot"/>
-      </p:par>
-    </p:tnLst>
-  </p:timing>
 </p:sld>
 </file>
 

--- a/projekt_dl/SIGN LANGAUGE MNIST.pptx
+++ b/projekt_dl/SIGN LANGAUGE MNIST.pptx
@@ -275,7 +275,7 @@
           <a:p>
             <a:fld id="{203E222E-0805-4CAD-B87C-507E4F056BAA}" type="datetimeFigureOut">
               <a:rPr lang="pl-PL" smtClean="0"/>
-              <a:t>20.10.2022</a:t>
+              <a:t>22.10.2022</a:t>
             </a:fld>
             <a:endParaRPr lang="pl-PL"/>
           </a:p>
@@ -473,7 +473,7 @@
           <a:p>
             <a:fld id="{203E222E-0805-4CAD-B87C-507E4F056BAA}" type="datetimeFigureOut">
               <a:rPr lang="pl-PL" smtClean="0"/>
-              <a:t>20.10.2022</a:t>
+              <a:t>22.10.2022</a:t>
             </a:fld>
             <a:endParaRPr lang="pl-PL"/>
           </a:p>
@@ -681,7 +681,7 @@
           <a:p>
             <a:fld id="{203E222E-0805-4CAD-B87C-507E4F056BAA}" type="datetimeFigureOut">
               <a:rPr lang="pl-PL" smtClean="0"/>
-              <a:t>20.10.2022</a:t>
+              <a:t>22.10.2022</a:t>
             </a:fld>
             <a:endParaRPr lang="pl-PL"/>
           </a:p>
@@ -879,7 +879,7 @@
           <a:p>
             <a:fld id="{203E222E-0805-4CAD-B87C-507E4F056BAA}" type="datetimeFigureOut">
               <a:rPr lang="pl-PL" smtClean="0"/>
-              <a:t>20.10.2022</a:t>
+              <a:t>22.10.2022</a:t>
             </a:fld>
             <a:endParaRPr lang="pl-PL"/>
           </a:p>
@@ -1154,7 +1154,7 @@
           <a:p>
             <a:fld id="{203E222E-0805-4CAD-B87C-507E4F056BAA}" type="datetimeFigureOut">
               <a:rPr lang="pl-PL" smtClean="0"/>
-              <a:t>20.10.2022</a:t>
+              <a:t>22.10.2022</a:t>
             </a:fld>
             <a:endParaRPr lang="pl-PL"/>
           </a:p>
@@ -1419,7 +1419,7 @@
           <a:p>
             <a:fld id="{203E222E-0805-4CAD-B87C-507E4F056BAA}" type="datetimeFigureOut">
               <a:rPr lang="pl-PL" smtClean="0"/>
-              <a:t>20.10.2022</a:t>
+              <a:t>22.10.2022</a:t>
             </a:fld>
             <a:endParaRPr lang="pl-PL"/>
           </a:p>
@@ -1831,7 +1831,7 @@
           <a:p>
             <a:fld id="{203E222E-0805-4CAD-B87C-507E4F056BAA}" type="datetimeFigureOut">
               <a:rPr lang="pl-PL" smtClean="0"/>
-              <a:t>20.10.2022</a:t>
+              <a:t>22.10.2022</a:t>
             </a:fld>
             <a:endParaRPr lang="pl-PL"/>
           </a:p>
@@ -1972,7 +1972,7 @@
           <a:p>
             <a:fld id="{203E222E-0805-4CAD-B87C-507E4F056BAA}" type="datetimeFigureOut">
               <a:rPr lang="pl-PL" smtClean="0"/>
-              <a:t>20.10.2022</a:t>
+              <a:t>22.10.2022</a:t>
             </a:fld>
             <a:endParaRPr lang="pl-PL"/>
           </a:p>
@@ -2085,7 +2085,7 @@
           <a:p>
             <a:fld id="{203E222E-0805-4CAD-B87C-507E4F056BAA}" type="datetimeFigureOut">
               <a:rPr lang="pl-PL" smtClean="0"/>
-              <a:t>20.10.2022</a:t>
+              <a:t>22.10.2022</a:t>
             </a:fld>
             <a:endParaRPr lang="pl-PL"/>
           </a:p>
@@ -2396,7 +2396,7 @@
           <a:p>
             <a:fld id="{203E222E-0805-4CAD-B87C-507E4F056BAA}" type="datetimeFigureOut">
               <a:rPr lang="pl-PL" smtClean="0"/>
-              <a:t>20.10.2022</a:t>
+              <a:t>22.10.2022</a:t>
             </a:fld>
             <a:endParaRPr lang="pl-PL"/>
           </a:p>
@@ -2684,7 +2684,7 @@
           <a:p>
             <a:fld id="{203E222E-0805-4CAD-B87C-507E4F056BAA}" type="datetimeFigureOut">
               <a:rPr lang="pl-PL" smtClean="0"/>
-              <a:t>20.10.2022</a:t>
+              <a:t>22.10.2022</a:t>
             </a:fld>
             <a:endParaRPr lang="pl-PL"/>
           </a:p>
@@ -2925,7 +2925,7 @@
           <a:p>
             <a:fld id="{203E222E-0805-4CAD-B87C-507E4F056BAA}" type="datetimeFigureOut">
               <a:rPr lang="pl-PL" smtClean="0"/>
-              <a:t>20.10.2022</a:t>
+              <a:t>22.10.2022</a:t>
             </a:fld>
             <a:endParaRPr lang="pl-PL"/>
           </a:p>
@@ -3609,7 +3609,7 @@
         </p:nvSpPr>
         <p:spPr>
           <a:xfrm>
-            <a:off x="838200" y="365125"/>
+            <a:off x="1738312" y="129994"/>
             <a:ext cx="8715375" cy="1101725"/>
           </a:xfrm>
           <a:solidFill>
@@ -3649,16 +3649,15 @@
             <p:ph idx="1"/>
           </p:nvPr>
         </p:nvPicPr>
-        <p:blipFill>
+        <p:blipFill rotWithShape="1">
           <a:blip r:embed="rId2"/>
-          <a:stretch>
-            <a:fillRect/>
-          </a:stretch>
+          <a:srcRect t="1216" b="2867"/>
+          <a:stretch/>
         </p:blipFill>
         <p:spPr>
           <a:xfrm>
-            <a:off x="7554001" y="1711326"/>
-            <a:ext cx="3146730" cy="4351338"/>
+            <a:off x="7430518" y="1346971"/>
+            <a:ext cx="4125756" cy="5472259"/>
           </a:xfrm>
         </p:spPr>
       </p:pic>
@@ -3676,16 +3675,15 @@
           </p:cNvPicPr>
           <p:nvPr/>
         </p:nvPicPr>
-        <p:blipFill>
+        <p:blipFill rotWithShape="1">
           <a:blip r:embed="rId3"/>
-          <a:stretch>
-            <a:fillRect/>
-          </a:stretch>
+          <a:srcRect r="3447"/>
+          <a:stretch/>
         </p:blipFill>
         <p:spPr>
           <a:xfrm>
-            <a:off x="347678" y="1711326"/>
-            <a:ext cx="5854365" cy="3765550"/>
+            <a:off x="373805" y="1476194"/>
+            <a:ext cx="6843356" cy="4558845"/>
           </a:xfrm>
           <a:prstGeom prst="rect">
             <a:avLst/>
@@ -3781,7 +3779,7 @@
         </p:blipFill>
         <p:spPr>
           <a:xfrm>
-            <a:off x="9509760" y="103735"/>
+            <a:off x="9509760" y="60192"/>
             <a:ext cx="2036618" cy="6696075"/>
           </a:xfrm>
           <a:prstGeom prst="rect">
@@ -3811,8 +3809,8 @@
         </p:blipFill>
         <p:spPr>
           <a:xfrm>
-            <a:off x="929111" y="1822997"/>
-            <a:ext cx="7766002" cy="4401266"/>
+            <a:off x="443081" y="1457237"/>
+            <a:ext cx="8538486" cy="4839060"/>
           </a:xfrm>
           <a:prstGeom prst="rect">
             <a:avLst/>
@@ -3897,8 +3895,8 @@
         </p:blipFill>
         <p:spPr>
           <a:xfrm>
-            <a:off x="8726978" y="336765"/>
-            <a:ext cx="2811087" cy="4351338"/>
+            <a:off x="8012875" y="599884"/>
+            <a:ext cx="3754619" cy="5818334"/>
           </a:xfrm>
           <a:prstGeom prst="rect">
             <a:avLst/>
@@ -3953,7 +3951,7 @@
         </p:nvSpPr>
         <p:spPr>
           <a:xfrm>
-            <a:off x="838200" y="365125"/>
+            <a:off x="1760220" y="269331"/>
             <a:ext cx="8671560" cy="823595"/>
           </a:xfrm>
           <a:solidFill>
@@ -3974,7 +3972,7 @@
               <a:rPr lang="pl-PL" sz="2800" dirty="0">
                 <a:latin typeface="Libre Franklin" pitchFamily="2" charset="-18"/>
               </a:rPr>
-              <a:t>PREDYKCJA MODELU -CONFUSION MATRIX</a:t>
+              <a:t>PREDYKCJA MODELU - CONFUSION MATRIX</a:t>
             </a:r>
           </a:p>
         </p:txBody>
@@ -4003,8 +4001,8 @@
         </p:blipFill>
         <p:spPr>
           <a:xfrm>
-            <a:off x="2808317" y="1532746"/>
-            <a:ext cx="5338156" cy="4837834"/>
+            <a:off x="3243745" y="1323739"/>
+            <a:ext cx="5830586" cy="5284111"/>
           </a:xfrm>
         </p:spPr>
       </p:pic>
@@ -4202,16 +4200,15 @@
             <p:ph idx="1"/>
           </p:nvPr>
         </p:nvPicPr>
-        <p:blipFill>
+        <p:blipFill rotWithShape="1">
           <a:blip r:embed="rId2"/>
-          <a:stretch>
-            <a:fillRect/>
-          </a:stretch>
+          <a:srcRect b="1999"/>
+          <a:stretch/>
         </p:blipFill>
         <p:spPr>
           <a:xfrm>
-            <a:off x="838200" y="1877275"/>
-            <a:ext cx="5487372" cy="3795121"/>
+            <a:off x="838199" y="1877275"/>
+            <a:ext cx="6301329" cy="4270976"/>
           </a:xfrm>
         </p:spPr>
       </p:pic>
@@ -4242,8 +4239,8 @@
         </p:blipFill>
         <p:spPr>
           <a:xfrm>
-            <a:off x="9401696" y="2302626"/>
-            <a:ext cx="1570594" cy="1672752"/>
+            <a:off x="8400209" y="3068980"/>
+            <a:ext cx="2515085" cy="2678677"/>
           </a:xfrm>
           <a:prstGeom prst="rect">
             <a:avLst/>
@@ -4346,8 +4343,8 @@
         </p:blipFill>
         <p:spPr>
           <a:xfrm>
-            <a:off x="3147881" y="1635124"/>
-            <a:ext cx="5724787" cy="4537075"/>
+            <a:off x="2834372" y="1539330"/>
+            <a:ext cx="6579594" cy="5214537"/>
           </a:xfrm>
         </p:spPr>
       </p:pic>
@@ -4401,8 +4398,8 @@
         </p:nvSpPr>
         <p:spPr>
           <a:xfrm>
-            <a:off x="7157258" y="3873095"/>
-            <a:ext cx="3174076" cy="1325563"/>
+            <a:off x="7157257" y="3873095"/>
+            <a:ext cx="3832959" cy="1325563"/>
           </a:xfrm>
           <a:solidFill>
             <a:schemeClr val="accent2">
@@ -4415,7 +4412,7 @@
           <a:bodyPr/>
           <a:lstStyle/>
           <a:p>
-            <a:pPr algn="r"/>
+            <a:pPr algn="ctr"/>
             <a:r>
               <a:rPr lang="pl-PL" b="1" i="1" dirty="0"/>
               <a:t>Dziękujemy   </a:t>
@@ -5097,7 +5094,7 @@
         </p:blipFill>
         <p:spPr bwMode="auto">
           <a:xfrm>
-            <a:off x="4467225" y="2219325"/>
+            <a:off x="4493350" y="2393496"/>
             <a:ext cx="6972299" cy="4273549"/>
           </a:xfrm>
           <a:prstGeom prst="rect">
@@ -5822,44 +5819,44 @@
             <p:ph idx="1"/>
             <p:extLst>
               <p:ext uri="{D42A27DB-BD31-4B8C-83A1-F6EECF244321}">
-                <p14:modId xmlns:p14="http://schemas.microsoft.com/office/powerpoint/2010/main" val="1727137503"/>
+                <p14:modId xmlns:p14="http://schemas.microsoft.com/office/powerpoint/2010/main" val="2182055594"/>
               </p:ext>
             </p:extLst>
           </p:nvPr>
         </p:nvGraphicFramePr>
         <p:xfrm>
-          <a:off x="838200" y="1825625"/>
-          <a:ext cx="10515600" cy="3037840"/>
+          <a:off x="838200" y="1506583"/>
+          <a:ext cx="10509069" cy="4605771"/>
         </p:xfrm>
         <a:graphic>
           <a:graphicData uri="http://schemas.openxmlformats.org/drawingml/2006/table">
             <a:tbl>
               <a:tblPr firstRow="1" bandRow="1">
-                <a:tableStyleId>{5C22544A-7EE6-4342-B048-85BDC9FD1C3A}</a:tableStyleId>
+                <a:tableStyleId>{1FECB4D8-DB02-4DC6-A0A2-4F2EBAE1DC90}</a:tableStyleId>
               </a:tblPr>
               <a:tblGrid>
-                <a:gridCol w="1323109">
+                <a:gridCol w="1322287">
                   <a:extLst>
                     <a:ext uri="{9D8B030D-6E8A-4147-A177-3AD203B41FA5}">
                       <a16:colId xmlns:a16="http://schemas.microsoft.com/office/drawing/2014/main" val="2661988964"/>
                     </a:ext>
                   </a:extLst>
                 </a:gridCol>
-                <a:gridCol w="1363287">
+                <a:gridCol w="1362440">
                   <a:extLst>
                     <a:ext uri="{9D8B030D-6E8A-4147-A177-3AD203B41FA5}">
                       <a16:colId xmlns:a16="http://schemas.microsoft.com/office/drawing/2014/main" val="496396733"/>
                     </a:ext>
                   </a:extLst>
                 </a:gridCol>
-                <a:gridCol w="1695797">
+                <a:gridCol w="1694744">
                   <a:extLst>
                     <a:ext uri="{9D8B030D-6E8A-4147-A177-3AD203B41FA5}">
                       <a16:colId xmlns:a16="http://schemas.microsoft.com/office/drawing/2014/main" val="1245317858"/>
                     </a:ext>
                   </a:extLst>
                 </a:gridCol>
-                <a:gridCol w="6133407">
+                <a:gridCol w="6129598">
                   <a:extLst>
                     <a:ext uri="{9D8B030D-6E8A-4147-A177-3AD203B41FA5}">
                       <a16:colId xmlns:a16="http://schemas.microsoft.com/office/drawing/2014/main" val="4171229488"/>
@@ -5867,19 +5864,21 @@
                   </a:extLst>
                 </a:gridCol>
               </a:tblGrid>
-              <a:tr h="370840">
+              <a:tr h="529417">
                 <a:tc>
                   <a:txBody>
                     <a:bodyPr/>
                     <a:lstStyle/>
                     <a:p>
                       <a:r>
-                        <a:rPr lang="pl-PL" dirty="0"/>
+                        <a:rPr lang="pl-PL" b="1" dirty="0">
+                          <a:latin typeface="+mj-lt"/>
+                        </a:rPr>
                         <a:t>Model</a:t>
                       </a:r>
                     </a:p>
                   </a:txBody>
-                  <a:tcPr/>
+                  <a:tcPr anchor="ctr"/>
                 </a:tc>
                 <a:tc>
                   <a:txBody>
@@ -5887,13 +5886,17 @@
                     <a:lstStyle/>
                     <a:p>
                       <a:r>
-                        <a:rPr lang="pl-PL" dirty="0" err="1"/>
+                        <a:rPr lang="pl-PL" b="1" dirty="0" err="1">
+                          <a:latin typeface="+mj-lt"/>
+                        </a:rPr>
                         <a:t>Accuracy</a:t>
                       </a:r>
-                      <a:endParaRPr lang="pl-PL" dirty="0"/>
+                      <a:endParaRPr lang="pl-PL" b="1" dirty="0">
+                        <a:latin typeface="+mj-lt"/>
+                      </a:endParaRPr>
                     </a:p>
                   </a:txBody>
-                  <a:tcPr/>
+                  <a:tcPr anchor="ctr"/>
                 </a:tc>
                 <a:tc>
                   <a:txBody>
@@ -5901,12 +5904,14 @@
                     <a:lstStyle/>
                     <a:p>
                       <a:r>
-                        <a:rPr lang="pl-PL" dirty="0"/>
+                        <a:rPr lang="pl-PL" b="1" dirty="0">
+                          <a:latin typeface="+mj-lt"/>
+                        </a:rPr>
                         <a:t>Liczba warstw</a:t>
                       </a:r>
                     </a:p>
                   </a:txBody>
-                  <a:tcPr/>
+                  <a:tcPr anchor="ctr"/>
                 </a:tc>
                 <a:tc>
                   <a:txBody>
@@ -5914,12 +5919,14 @@
                     <a:lstStyle/>
                     <a:p>
                       <a:r>
-                        <a:rPr lang="pl-PL" dirty="0"/>
+                        <a:rPr lang="pl-PL" b="1" dirty="0">
+                          <a:latin typeface="+mj-lt"/>
+                        </a:rPr>
                         <a:t>Zastosowano dodatkowo</a:t>
                       </a:r>
                     </a:p>
                   </a:txBody>
-                  <a:tcPr/>
+                  <a:tcPr anchor="ctr"/>
                 </a:tc>
                 <a:extLst>
                   <a:ext uri="{0D108BD9-81ED-4DB2-BD59-A6C34878D82A}">
@@ -5927,19 +5934,21 @@
                   </a:ext>
                 </a:extLst>
               </a:tr>
-              <a:tr h="370840">
+              <a:tr h="529417">
                 <a:tc>
                   <a:txBody>
                     <a:bodyPr/>
                     <a:lstStyle/>
                     <a:p>
                       <a:r>
-                        <a:rPr lang="pl-PL" dirty="0"/>
+                        <a:rPr lang="pl-PL" dirty="0">
+                          <a:latin typeface="+mj-lt"/>
+                        </a:rPr>
                         <a:t>Model_1</a:t>
                       </a:r>
                     </a:p>
                   </a:txBody>
-                  <a:tcPr/>
+                  <a:tcPr anchor="ctr"/>
                 </a:tc>
                 <a:tc>
                   <a:txBody>
@@ -5947,12 +5956,14 @@
                     <a:lstStyle/>
                     <a:p>
                       <a:r>
-                        <a:rPr lang="pl-PL" dirty="0"/>
+                        <a:rPr lang="pl-PL" dirty="0">
+                          <a:latin typeface="+mj-lt"/>
+                        </a:rPr>
                         <a:t>0,8658</a:t>
                       </a:r>
                     </a:p>
                   </a:txBody>
-                  <a:tcPr/>
+                  <a:tcPr anchor="ctr"/>
                 </a:tc>
                 <a:tc>
                   <a:txBody>
@@ -5960,22 +5971,29 @@
                     <a:lstStyle/>
                     <a:p>
                       <a:r>
-                        <a:rPr lang="pl-PL" dirty="0"/>
+                        <a:rPr lang="pl-PL" dirty="0">
+                          <a:latin typeface="+mj-lt"/>
+                        </a:rPr>
                         <a:t>9</a:t>
                       </a:r>
                     </a:p>
                   </a:txBody>
-                  <a:tcPr/>
+                  <a:tcPr anchor="ctr"/>
                 </a:tc>
                 <a:tc>
                   <a:txBody>
                     <a:bodyPr/>
                     <a:lstStyle/>
                     <a:p>
-                      <a:endParaRPr lang="pl-PL" dirty="0"/>
+                      <a:r>
+                        <a:rPr lang="pl-PL" dirty="0">
+                          <a:latin typeface="+mj-lt"/>
+                        </a:rPr>
+                        <a:t>-</a:t>
+                      </a:r>
                     </a:p>
                   </a:txBody>
-                  <a:tcPr/>
+                  <a:tcPr anchor="ctr"/>
                 </a:tc>
                 <a:extLst>
                   <a:ext uri="{0D108BD9-81ED-4DB2-BD59-A6C34878D82A}">
@@ -5983,19 +6001,21 @@
                   </a:ext>
                 </a:extLst>
               </a:tr>
-              <a:tr h="370840">
+              <a:tr h="529417">
                 <a:tc>
                   <a:txBody>
                     <a:bodyPr/>
                     <a:lstStyle/>
                     <a:p>
                       <a:r>
-                        <a:rPr lang="pl-PL" dirty="0"/>
+                        <a:rPr lang="pl-PL" dirty="0">
+                          <a:latin typeface="+mj-lt"/>
+                        </a:rPr>
                         <a:t>Model_2</a:t>
                       </a:r>
                     </a:p>
                   </a:txBody>
-                  <a:tcPr/>
+                  <a:tcPr anchor="ctr"/>
                 </a:tc>
                 <a:tc>
                   <a:txBody>
@@ -6003,12 +6023,14 @@
                     <a:lstStyle/>
                     <a:p>
                       <a:r>
-                        <a:rPr lang="pl-PL" dirty="0"/>
+                        <a:rPr lang="pl-PL" dirty="0">
+                          <a:latin typeface="+mj-lt"/>
+                        </a:rPr>
                         <a:t>0,9464</a:t>
                       </a:r>
                     </a:p>
                   </a:txBody>
-                  <a:tcPr/>
+                  <a:tcPr anchor="ctr"/>
                 </a:tc>
                 <a:tc>
                   <a:txBody>
@@ -6016,22 +6038,29 @@
                     <a:lstStyle/>
                     <a:p>
                       <a:r>
-                        <a:rPr lang="pl-PL" dirty="0"/>
+                        <a:rPr lang="pl-PL" dirty="0">
+                          <a:latin typeface="+mj-lt"/>
+                        </a:rPr>
                         <a:t>10</a:t>
                       </a:r>
                     </a:p>
                   </a:txBody>
-                  <a:tcPr/>
+                  <a:tcPr anchor="ctr"/>
                 </a:tc>
                 <a:tc>
                   <a:txBody>
                     <a:bodyPr/>
                     <a:lstStyle/>
                     <a:p>
-                      <a:endParaRPr lang="pl-PL" dirty="0"/>
+                      <a:r>
+                        <a:rPr lang="pl-PL" dirty="0">
+                          <a:latin typeface="+mj-lt"/>
+                        </a:rPr>
+                        <a:t>-</a:t>
+                      </a:r>
                     </a:p>
                   </a:txBody>
-                  <a:tcPr/>
+                  <a:tcPr anchor="ctr"/>
                 </a:tc>
                 <a:extLst>
                   <a:ext uri="{0D108BD9-81ED-4DB2-BD59-A6C34878D82A}">
@@ -6039,19 +6068,21 @@
                   </a:ext>
                 </a:extLst>
               </a:tr>
-              <a:tr h="370840">
+              <a:tr h="529417">
                 <a:tc>
                   <a:txBody>
                     <a:bodyPr/>
                     <a:lstStyle/>
                     <a:p>
                       <a:r>
-                        <a:rPr lang="pl-PL" dirty="0"/>
+                        <a:rPr lang="pl-PL" dirty="0">
+                          <a:latin typeface="+mj-lt"/>
+                        </a:rPr>
                         <a:t>Model_3</a:t>
                       </a:r>
                     </a:p>
                   </a:txBody>
-                  <a:tcPr/>
+                  <a:tcPr anchor="ctr"/>
                 </a:tc>
                 <a:tc>
                   <a:txBody>
@@ -6059,12 +6090,14 @@
                     <a:lstStyle/>
                     <a:p>
                       <a:r>
-                        <a:rPr lang="pl-PL" dirty="0"/>
+                        <a:rPr lang="pl-PL" dirty="0">
+                          <a:latin typeface="+mj-lt"/>
+                        </a:rPr>
                         <a:t>0,8626</a:t>
                       </a:r>
                     </a:p>
                   </a:txBody>
-                  <a:tcPr/>
+                  <a:tcPr anchor="ctr"/>
                 </a:tc>
                 <a:tc>
                   <a:txBody>
@@ -6072,12 +6105,14 @@
                     <a:lstStyle/>
                     <a:p>
                       <a:r>
-                        <a:rPr lang="pl-PL" dirty="0"/>
+                        <a:rPr lang="pl-PL" dirty="0">
+                          <a:latin typeface="+mj-lt"/>
+                        </a:rPr>
                         <a:t>13</a:t>
                       </a:r>
                     </a:p>
                   </a:txBody>
-                  <a:tcPr/>
+                  <a:tcPr anchor="ctr"/>
                 </a:tc>
                 <a:tc>
                   <a:txBody>
@@ -6102,22 +6137,40 @@
                         <a:defRPr/>
                       </a:pPr>
                       <a:r>
-                        <a:rPr lang="pl-PL" dirty="0" err="1"/>
+                        <a:rPr lang="pl-PL" dirty="0" err="1">
+                          <a:latin typeface="+mj-lt"/>
+                        </a:rPr>
                         <a:t>Dropout</a:t>
                       </a:r>
+                      <a:endParaRPr lang="pl-PL" dirty="0">
+                        <a:latin typeface="+mj-lt"/>
+                      </a:endParaRPr>
+                    </a:p>
+                    <a:p>
+                      <a:pPr marL="0" marR="0" lvl="0" indent="0" algn="l" defTabSz="914400" rtl="0" eaLnBrk="1" fontAlgn="auto" latinLnBrk="0" hangingPunct="1">
+                        <a:lnSpc>
+                          <a:spcPct val="100000"/>
+                        </a:lnSpc>
+                        <a:spcBef>
+                          <a:spcPts val="0"/>
+                        </a:spcBef>
+                        <a:spcAft>
+                          <a:spcPts val="0"/>
+                        </a:spcAft>
+                        <a:buClrTx/>
+                        <a:buSzTx/>
+                        <a:buFontTx/>
+                        <a:buNone/>
+                        <a:tabLst/>
+                        <a:defRPr/>
+                      </a:pPr>
                       <a:r>
-                        <a:rPr lang="pl-PL" dirty="0"/>
-                        <a:t>, </a:t>
-                      </a:r>
-                      <a:r>
-                        <a:rPr lang="pl-PL" sz="1800" b="0" i="0" kern="1200" dirty="0" err="1">
+                        <a:rPr lang="pl-PL" sz="1800" b="0" kern="1200" dirty="0" err="1">
                           <a:solidFill>
                             <a:schemeClr val="dk1"/>
                           </a:solidFill>
                           <a:effectLst/>
-                          <a:latin typeface="+mn-lt"/>
-                          <a:ea typeface="+mn-ea"/>
-                          <a:cs typeface="+mn-cs"/>
+                          <a:latin typeface="+mj-lt"/>
                         </a:rPr>
                         <a:t>BatchNormalization</a:t>
                       </a:r>
@@ -6126,13 +6179,13 @@
                           <a:schemeClr val="dk1"/>
                         </a:solidFill>
                         <a:effectLst/>
-                        <a:latin typeface="+mn-lt"/>
+                        <a:latin typeface="+mj-lt"/>
                         <a:ea typeface="+mn-ea"/>
                         <a:cs typeface="+mn-cs"/>
                       </a:endParaRPr>
                     </a:p>
                   </a:txBody>
-                  <a:tcPr/>
+                  <a:tcPr anchor="ctr"/>
                 </a:tc>
                 <a:extLst>
                   <a:ext uri="{0D108BD9-81ED-4DB2-BD59-A6C34878D82A}">
@@ -6140,19 +6193,21 @@
                   </a:ext>
                 </a:extLst>
               </a:tr>
-              <a:tr h="370840">
+              <a:tr h="913788">
                 <a:tc>
                   <a:txBody>
                     <a:bodyPr/>
                     <a:lstStyle/>
                     <a:p>
                       <a:r>
-                        <a:rPr lang="pl-PL" dirty="0"/>
+                        <a:rPr lang="pl-PL" dirty="0">
+                          <a:latin typeface="+mj-lt"/>
+                        </a:rPr>
                         <a:t>Model_4</a:t>
                       </a:r>
                     </a:p>
                   </a:txBody>
-                  <a:tcPr/>
+                  <a:tcPr anchor="ctr"/>
                 </a:tc>
                 <a:tc>
                   <a:txBody>
@@ -6160,12 +6215,14 @@
                     <a:lstStyle/>
                     <a:p>
                       <a:r>
-                        <a:rPr lang="pl-PL" dirty="0"/>
+                        <a:rPr lang="pl-PL" dirty="0">
+                          <a:latin typeface="+mj-lt"/>
+                        </a:rPr>
                         <a:t>0,9675</a:t>
                       </a:r>
                     </a:p>
                   </a:txBody>
-                  <a:tcPr/>
+                  <a:tcPr anchor="ctr"/>
                 </a:tc>
                 <a:tc>
                   <a:txBody>
@@ -6173,12 +6230,14 @@
                     <a:lstStyle/>
                     <a:p>
                       <a:r>
-                        <a:rPr lang="pl-PL" dirty="0"/>
+                        <a:rPr lang="pl-PL" dirty="0">
+                          <a:latin typeface="+mj-lt"/>
+                        </a:rPr>
                         <a:t>13</a:t>
                       </a:r>
                     </a:p>
                   </a:txBody>
-                  <a:tcPr/>
+                  <a:tcPr anchor="ctr"/>
                 </a:tc>
                 <a:tc>
                   <a:txBody>
@@ -6203,70 +6262,102 @@
                         <a:defRPr/>
                       </a:pPr>
                       <a:r>
-                        <a:rPr lang="pl-PL" dirty="0" err="1"/>
+                        <a:rPr lang="pl-PL" dirty="0" err="1">
+                          <a:latin typeface="+mj-lt"/>
+                        </a:rPr>
                         <a:t>Dropout</a:t>
                       </a:r>
                       <a:r>
-                        <a:rPr lang="pl-PL" dirty="0"/>
+                        <a:rPr lang="pl-PL" dirty="0">
+                          <a:latin typeface="+mj-lt"/>
+                        </a:rPr>
                         <a:t>, </a:t>
                       </a:r>
+                    </a:p>
+                    <a:p>
+                      <a:pPr marL="0" marR="0" lvl="0" indent="0" algn="l" defTabSz="914400" rtl="0" eaLnBrk="1" fontAlgn="auto" latinLnBrk="0" hangingPunct="1">
+                        <a:lnSpc>
+                          <a:spcPct val="100000"/>
+                        </a:lnSpc>
+                        <a:spcBef>
+                          <a:spcPts val="0"/>
+                        </a:spcBef>
+                        <a:spcAft>
+                          <a:spcPts val="0"/>
+                        </a:spcAft>
+                        <a:buClrTx/>
+                        <a:buSzTx/>
+                        <a:buFontTx/>
+                        <a:buNone/>
+                        <a:tabLst/>
+                        <a:defRPr/>
+                      </a:pPr>
                       <a:r>
-                        <a:rPr lang="pl-PL" sz="1800" b="0" i="0" kern="1200" dirty="0" err="1">
+                        <a:rPr lang="pl-PL" sz="1800" b="0" kern="1200" dirty="0" err="1">
                           <a:solidFill>
                             <a:schemeClr val="dk1"/>
                           </a:solidFill>
                           <a:effectLst/>
-                          <a:latin typeface="+mn-lt"/>
-                          <a:ea typeface="+mn-ea"/>
-                          <a:cs typeface="+mn-cs"/>
+                          <a:latin typeface="+mj-lt"/>
                         </a:rPr>
                         <a:t>BatchNormalization</a:t>
                       </a:r>
                       <a:r>
-                        <a:rPr lang="pl-PL" sz="1800" b="0" i="0" kern="1200" dirty="0">
+                        <a:rPr lang="pl-PL" sz="1800" b="0" kern="1200" dirty="0">
                           <a:solidFill>
                             <a:schemeClr val="dk1"/>
                           </a:solidFill>
                           <a:effectLst/>
-                          <a:latin typeface="+mn-lt"/>
-                          <a:ea typeface="+mn-ea"/>
-                          <a:cs typeface="+mn-cs"/>
+                          <a:latin typeface="+mj-lt"/>
                         </a:rPr>
                         <a:t>,</a:t>
                       </a:r>
                       <a:r>
-                        <a:rPr lang="pl-PL" sz="1800" b="0" i="0" kern="1200" baseline="0" dirty="0">
+                        <a:rPr lang="pl-PL" sz="1800" b="0" kern="1200" baseline="0" dirty="0">
                           <a:solidFill>
                             <a:schemeClr val="dk1"/>
                           </a:solidFill>
                           <a:effectLst/>
-                          <a:latin typeface="+mn-lt"/>
-                          <a:ea typeface="+mn-ea"/>
-                          <a:cs typeface="+mn-cs"/>
+                          <a:latin typeface="+mj-lt"/>
                         </a:rPr>
                         <a:t> </a:t>
                       </a:r>
+                    </a:p>
+                    <a:p>
+                      <a:pPr marL="0" marR="0" lvl="0" indent="0" algn="l" defTabSz="914400" rtl="0" eaLnBrk="1" fontAlgn="auto" latinLnBrk="0" hangingPunct="1">
+                        <a:lnSpc>
+                          <a:spcPct val="100000"/>
+                        </a:lnSpc>
+                        <a:spcBef>
+                          <a:spcPts val="0"/>
+                        </a:spcBef>
+                        <a:spcAft>
+                          <a:spcPts val="0"/>
+                        </a:spcAft>
+                        <a:buClrTx/>
+                        <a:buSzTx/>
+                        <a:buFontTx/>
+                        <a:buNone/>
+                        <a:tabLst/>
+                        <a:defRPr/>
+                      </a:pPr>
                       <a:r>
-                        <a:rPr lang="pl-PL" sz="1800" b="0" i="0" kern="1200" baseline="0" dirty="0" err="1">
+                        <a:rPr lang="pl-PL" sz="1800" b="0" kern="1200" baseline="0" dirty="0" err="1">
                           <a:solidFill>
                             <a:schemeClr val="dk1"/>
                           </a:solidFill>
                           <a:effectLst/>
-                          <a:latin typeface="+mn-lt"/>
-                          <a:ea typeface="+mn-ea"/>
-                          <a:cs typeface="+mn-cs"/>
+                          <a:latin typeface="+mj-lt"/>
                         </a:rPr>
                         <a:t>Callbacks</a:t>
                       </a:r>
                       <a:r>
-                        <a:rPr lang="pl-PL" sz="1800" b="0" i="0" kern="1200" baseline="0" dirty="0">
+                        <a:rPr lang="pl-PL" sz="1800" b="0" kern="1200" baseline="0" dirty="0">
                           <a:solidFill>
                             <a:schemeClr val="dk1"/>
                           </a:solidFill>
                           <a:effectLst/>
-                          <a:latin typeface="+mn-lt"/>
-                          <a:ea typeface="+mn-ea"/>
-                          <a:cs typeface="+mn-cs"/>
+                          <a:latin typeface="+mj-lt"/>
                         </a:rPr>
                         <a:t> (</a:t>
                       </a:r>
@@ -6276,9 +6367,7 @@
                             <a:schemeClr val="dk1"/>
                           </a:solidFill>
                           <a:effectLst/>
-                          <a:latin typeface="+mn-lt"/>
-                          <a:ea typeface="+mn-ea"/>
-                          <a:cs typeface="+mn-cs"/>
+                          <a:latin typeface="+mj-lt"/>
                         </a:rPr>
                         <a:t>EarlyStopping</a:t>
                       </a:r>
@@ -6288,9 +6377,7 @@
                             <a:schemeClr val="dk1"/>
                           </a:solidFill>
                           <a:effectLst/>
-                          <a:latin typeface="+mn-lt"/>
-                          <a:ea typeface="+mn-ea"/>
-                          <a:cs typeface="+mn-cs"/>
+                          <a:latin typeface="+mj-lt"/>
                         </a:rPr>
                         <a:t> -</a:t>
                       </a:r>
@@ -6300,9 +6387,7 @@
                             <a:schemeClr val="dk1"/>
                           </a:solidFill>
                           <a:effectLst/>
-                          <a:latin typeface="+mn-lt"/>
-                          <a:ea typeface="+mn-ea"/>
-                          <a:cs typeface="+mn-cs"/>
+                          <a:latin typeface="+mj-lt"/>
                         </a:rPr>
                         <a:t>patience</a:t>
                       </a:r>
@@ -6312,9 +6397,7 @@
                             <a:schemeClr val="dk1"/>
                           </a:solidFill>
                           <a:effectLst/>
-                          <a:latin typeface="+mn-lt"/>
-                          <a:ea typeface="+mn-ea"/>
-                          <a:cs typeface="+mn-cs"/>
+                          <a:latin typeface="+mj-lt"/>
                         </a:rPr>
                         <a:t>=10, </a:t>
                       </a:r>
@@ -6324,9 +6407,7 @@
                             <a:schemeClr val="dk1"/>
                           </a:solidFill>
                           <a:effectLst/>
-                          <a:latin typeface="+mn-lt"/>
-                          <a:ea typeface="+mn-ea"/>
-                          <a:cs typeface="+mn-cs"/>
+                          <a:latin typeface="+mj-lt"/>
                         </a:rPr>
                         <a:t>ReduceLROnPlateau</a:t>
                       </a:r>
@@ -6336,9 +6417,7 @@
                             <a:schemeClr val="dk1"/>
                           </a:solidFill>
                           <a:effectLst/>
-                          <a:latin typeface="+mn-lt"/>
-                          <a:ea typeface="+mn-ea"/>
-                          <a:cs typeface="+mn-cs"/>
+                          <a:latin typeface="+mj-lt"/>
                         </a:rPr>
                         <a:t>)</a:t>
                       </a:r>
@@ -6347,13 +6426,13 @@
                           <a:schemeClr val="dk1"/>
                         </a:solidFill>
                         <a:effectLst/>
-                        <a:latin typeface="+mn-lt"/>
+                        <a:latin typeface="+mj-lt"/>
                         <a:ea typeface="+mn-ea"/>
                         <a:cs typeface="+mn-cs"/>
                       </a:endParaRPr>
                     </a:p>
                   </a:txBody>
-                  <a:tcPr/>
+                  <a:tcPr anchor="ctr"/>
                 </a:tc>
                 <a:extLst>
                   <a:ext uri="{0D108BD9-81ED-4DB2-BD59-A6C34878D82A}">
@@ -6361,19 +6440,21 @@
                   </a:ext>
                 </a:extLst>
               </a:tr>
-              <a:tr h="370840">
+              <a:tr h="1305411">
                 <a:tc>
                   <a:txBody>
                     <a:bodyPr/>
                     <a:lstStyle/>
                     <a:p>
                       <a:r>
-                        <a:rPr lang="pl-PL" dirty="0"/>
+                        <a:rPr lang="pl-PL" dirty="0">
+                          <a:latin typeface="+mj-lt"/>
+                        </a:rPr>
                         <a:t>Model_5</a:t>
                       </a:r>
                     </a:p>
                   </a:txBody>
-                  <a:tcPr/>
+                  <a:tcPr anchor="ctr"/>
                 </a:tc>
                 <a:tc>
                   <a:txBody>
@@ -6381,12 +6462,14 @@
                     <a:lstStyle/>
                     <a:p>
                       <a:r>
-                        <a:rPr lang="pl-PL" dirty="0"/>
+                        <a:rPr lang="pl-PL" dirty="0">
+                          <a:latin typeface="+mj-lt"/>
+                        </a:rPr>
                         <a:t>0,9979</a:t>
                       </a:r>
                     </a:p>
                   </a:txBody>
-                  <a:tcPr/>
+                  <a:tcPr anchor="ctr"/>
                 </a:tc>
                 <a:tc>
                   <a:txBody>
@@ -6394,12 +6477,14 @@
                     <a:lstStyle/>
                     <a:p>
                       <a:r>
-                        <a:rPr lang="pl-PL" dirty="0"/>
+                        <a:rPr lang="pl-PL" dirty="0">
+                          <a:latin typeface="+mj-lt"/>
+                        </a:rPr>
                         <a:t>13</a:t>
                       </a:r>
                     </a:p>
                   </a:txBody>
-                  <a:tcPr/>
+                  <a:tcPr anchor="ctr"/>
                 </a:tc>
                 <a:tc>
                   <a:txBody>
@@ -6424,70 +6509,102 @@
                         <a:defRPr/>
                       </a:pPr>
                       <a:r>
-                        <a:rPr lang="pl-PL" dirty="0" err="1"/>
+                        <a:rPr lang="pl-PL" dirty="0" err="1">
+                          <a:latin typeface="+mj-lt"/>
+                        </a:rPr>
                         <a:t>Dropout</a:t>
                       </a:r>
                       <a:r>
-                        <a:rPr lang="pl-PL" dirty="0"/>
+                        <a:rPr lang="pl-PL" dirty="0">
+                          <a:latin typeface="+mj-lt"/>
+                        </a:rPr>
                         <a:t>, </a:t>
                       </a:r>
+                    </a:p>
+                    <a:p>
+                      <a:pPr marL="0" marR="0" lvl="0" indent="0" algn="l" defTabSz="914400" rtl="0" eaLnBrk="1" fontAlgn="auto" latinLnBrk="0" hangingPunct="1">
+                        <a:lnSpc>
+                          <a:spcPct val="100000"/>
+                        </a:lnSpc>
+                        <a:spcBef>
+                          <a:spcPts val="0"/>
+                        </a:spcBef>
+                        <a:spcAft>
+                          <a:spcPts val="0"/>
+                        </a:spcAft>
+                        <a:buClrTx/>
+                        <a:buSzTx/>
+                        <a:buFontTx/>
+                        <a:buNone/>
+                        <a:tabLst/>
+                        <a:defRPr/>
+                      </a:pPr>
                       <a:r>
-                        <a:rPr lang="pl-PL" sz="1800" b="0" i="0" kern="1200" dirty="0" err="1">
+                        <a:rPr lang="pl-PL" sz="1800" b="0" kern="1200" dirty="0" err="1">
                           <a:solidFill>
                             <a:schemeClr val="dk1"/>
                           </a:solidFill>
                           <a:effectLst/>
-                          <a:latin typeface="+mn-lt"/>
-                          <a:ea typeface="+mn-ea"/>
-                          <a:cs typeface="+mn-cs"/>
+                          <a:latin typeface="+mj-lt"/>
                         </a:rPr>
                         <a:t>BatchNormalization</a:t>
                       </a:r>
                       <a:r>
-                        <a:rPr lang="pl-PL" sz="1800" b="0" i="0" kern="1200" dirty="0">
+                        <a:rPr lang="pl-PL" sz="1800" b="0" kern="1200" dirty="0">
                           <a:solidFill>
                             <a:schemeClr val="dk1"/>
                           </a:solidFill>
                           <a:effectLst/>
-                          <a:latin typeface="+mn-lt"/>
-                          <a:ea typeface="+mn-ea"/>
-                          <a:cs typeface="+mn-cs"/>
+                          <a:latin typeface="+mj-lt"/>
                         </a:rPr>
                         <a:t>,</a:t>
                       </a:r>
                       <a:r>
-                        <a:rPr lang="pl-PL" sz="1800" b="0" i="0" kern="1200" baseline="0" dirty="0">
+                        <a:rPr lang="pl-PL" sz="1800" b="0" kern="1200" baseline="0" dirty="0">
                           <a:solidFill>
                             <a:schemeClr val="dk1"/>
                           </a:solidFill>
                           <a:effectLst/>
-                          <a:latin typeface="+mn-lt"/>
-                          <a:ea typeface="+mn-ea"/>
-                          <a:cs typeface="+mn-cs"/>
+                          <a:latin typeface="+mj-lt"/>
                         </a:rPr>
                         <a:t> </a:t>
                       </a:r>
+                    </a:p>
+                    <a:p>
+                      <a:pPr marL="0" marR="0" lvl="0" indent="0" algn="l" defTabSz="914400" rtl="0" eaLnBrk="1" fontAlgn="auto" latinLnBrk="0" hangingPunct="1">
+                        <a:lnSpc>
+                          <a:spcPct val="100000"/>
+                        </a:lnSpc>
+                        <a:spcBef>
+                          <a:spcPts val="0"/>
+                        </a:spcBef>
+                        <a:spcAft>
+                          <a:spcPts val="0"/>
+                        </a:spcAft>
+                        <a:buClrTx/>
+                        <a:buSzTx/>
+                        <a:buFontTx/>
+                        <a:buNone/>
+                        <a:tabLst/>
+                        <a:defRPr/>
+                      </a:pPr>
                       <a:r>
-                        <a:rPr lang="pl-PL" sz="1800" b="0" i="0" kern="1200" baseline="0" dirty="0" err="1">
+                        <a:rPr lang="pl-PL" sz="1800" b="0" kern="1200" baseline="0" dirty="0" err="1">
                           <a:solidFill>
                             <a:schemeClr val="dk1"/>
                           </a:solidFill>
                           <a:effectLst/>
-                          <a:latin typeface="+mn-lt"/>
-                          <a:ea typeface="+mn-ea"/>
-                          <a:cs typeface="+mn-cs"/>
+                          <a:latin typeface="+mj-lt"/>
                         </a:rPr>
                         <a:t>Callbacks</a:t>
                       </a:r>
                       <a:r>
-                        <a:rPr lang="pl-PL" sz="1800" b="0" i="0" kern="1200" baseline="0" dirty="0">
+                        <a:rPr lang="pl-PL" sz="1800" b="0" kern="1200" baseline="0" dirty="0">
                           <a:solidFill>
                             <a:schemeClr val="dk1"/>
                           </a:solidFill>
                           <a:effectLst/>
-                          <a:latin typeface="+mn-lt"/>
-                          <a:ea typeface="+mn-ea"/>
-                          <a:cs typeface="+mn-cs"/>
+                          <a:latin typeface="+mj-lt"/>
                         </a:rPr>
                         <a:t> (</a:t>
                       </a:r>
@@ -6497,9 +6614,7 @@
                             <a:schemeClr val="dk1"/>
                           </a:solidFill>
                           <a:effectLst/>
-                          <a:latin typeface="+mn-lt"/>
-                          <a:ea typeface="+mn-ea"/>
-                          <a:cs typeface="+mn-cs"/>
+                          <a:latin typeface="+mj-lt"/>
                         </a:rPr>
                         <a:t>EarlyStopping</a:t>
                       </a:r>
@@ -6509,9 +6624,7 @@
                             <a:schemeClr val="dk1"/>
                           </a:solidFill>
                           <a:effectLst/>
-                          <a:latin typeface="+mn-lt"/>
-                          <a:ea typeface="+mn-ea"/>
-                          <a:cs typeface="+mn-cs"/>
+                          <a:latin typeface="+mj-lt"/>
                         </a:rPr>
                         <a:t> -</a:t>
                       </a:r>
@@ -6521,9 +6634,7 @@
                             <a:schemeClr val="dk1"/>
                           </a:solidFill>
                           <a:effectLst/>
-                          <a:latin typeface="+mn-lt"/>
-                          <a:ea typeface="+mn-ea"/>
-                          <a:cs typeface="+mn-cs"/>
+                          <a:latin typeface="+mj-lt"/>
                         </a:rPr>
                         <a:t>patience</a:t>
                       </a:r>
@@ -6533,9 +6644,7 @@
                             <a:schemeClr val="dk1"/>
                           </a:solidFill>
                           <a:effectLst/>
-                          <a:latin typeface="+mn-lt"/>
-                          <a:ea typeface="+mn-ea"/>
-                          <a:cs typeface="+mn-cs"/>
+                          <a:latin typeface="+mj-lt"/>
                         </a:rPr>
                         <a:t>=10, </a:t>
                       </a:r>
@@ -6545,9 +6654,7 @@
                             <a:schemeClr val="dk1"/>
                           </a:solidFill>
                           <a:effectLst/>
-                          <a:latin typeface="+mn-lt"/>
-                          <a:ea typeface="+mn-ea"/>
-                          <a:cs typeface="+mn-cs"/>
+                          <a:latin typeface="+mj-lt"/>
                         </a:rPr>
                         <a:t>ReduceLROnPlateau</a:t>
                       </a:r>
@@ -6557,27 +6664,18 @@
                             <a:schemeClr val="dk1"/>
                           </a:solidFill>
                           <a:effectLst/>
-                          <a:latin typeface="+mn-lt"/>
-                          <a:ea typeface="+mn-ea"/>
-                          <a:cs typeface="+mn-cs"/>
+                          <a:latin typeface="+mj-lt"/>
                         </a:rPr>
                         <a:t>), augmentacja</a:t>
                       </a:r>
-                      <a:endParaRPr lang="pl-PL" sz="1800" b="0" i="0" kern="1200" dirty="0">
-                        <a:solidFill>
-                          <a:schemeClr val="dk1"/>
-                        </a:solidFill>
-                        <a:effectLst/>
-                        <a:latin typeface="+mn-lt"/>
-                        <a:ea typeface="+mn-ea"/>
-                        <a:cs typeface="+mn-cs"/>
+                    </a:p>
+                    <a:p>
+                      <a:endParaRPr lang="pl-PL" dirty="0">
+                        <a:latin typeface="+mj-lt"/>
                       </a:endParaRPr>
                     </a:p>
-                    <a:p>
-                      <a:endParaRPr lang="pl-PL" dirty="0"/>
-                    </a:p>
                   </a:txBody>
-                  <a:tcPr/>
+                  <a:tcPr anchor="ctr"/>
                 </a:tc>
                 <a:extLst>
                   <a:ext uri="{0D108BD9-81ED-4DB2-BD59-A6C34878D82A}">
@@ -6637,8 +6735,8 @@
         </p:nvSpPr>
         <p:spPr>
           <a:xfrm>
-            <a:off x="838200" y="638175"/>
-            <a:ext cx="7581900" cy="676275"/>
+            <a:off x="236616" y="204787"/>
+            <a:ext cx="8504484" cy="676275"/>
           </a:xfrm>
           <a:solidFill>
             <a:schemeClr val="accent2">
@@ -6677,16 +6775,15 @@
           </p:cNvPicPr>
           <p:nvPr/>
         </p:nvPicPr>
-        <p:blipFill>
+        <p:blipFill rotWithShape="1">
           <a:blip r:embed="rId2"/>
-          <a:stretch>
-            <a:fillRect/>
-          </a:stretch>
+          <a:srcRect r="51109"/>
+          <a:stretch/>
         </p:blipFill>
         <p:spPr>
           <a:xfrm>
-            <a:off x="3559234" y="3558943"/>
-            <a:ext cx="5410199" cy="2756132"/>
+            <a:off x="5808400" y="921123"/>
+            <a:ext cx="2791296" cy="2908465"/>
           </a:xfrm>
           <a:prstGeom prst="rect">
             <a:avLst/>
@@ -6715,7 +6812,7 @@
         </p:blipFill>
         <p:spPr>
           <a:xfrm>
-            <a:off x="8969433" y="314324"/>
+            <a:off x="8884938" y="428624"/>
             <a:ext cx="3070446" cy="6000751"/>
           </a:xfrm>
           <a:prstGeom prst="rect">
@@ -6731,16 +6828,44 @@
           </p:cNvPicPr>
           <p:nvPr/>
         </p:nvPicPr>
-        <p:blipFill>
+        <p:blipFill rotWithShape="1">
           <a:blip r:embed="rId4"/>
-          <a:stretch>
-            <a:fillRect/>
-          </a:stretch>
+          <a:srcRect r="3617"/>
+          <a:stretch/>
         </p:blipFill>
         <p:spPr>
           <a:xfrm>
-            <a:off x="766495" y="1557313"/>
-            <a:ext cx="2882791" cy="2837453"/>
+            <a:off x="456987" y="1179967"/>
+            <a:ext cx="5189171" cy="5299241"/>
+          </a:xfrm>
+          <a:prstGeom prst="rect">
+            <a:avLst/>
+          </a:prstGeom>
+        </p:spPr>
+      </p:pic>
+      <p:pic>
+        <p:nvPicPr>
+          <p:cNvPr id="3" name="Obraz 2">
+            <a:extLst>
+              <a:ext uri="{FF2B5EF4-FFF2-40B4-BE49-F238E27FC236}">
+                <a16:creationId xmlns:a16="http://schemas.microsoft.com/office/drawing/2014/main" id="{D547A6E7-CB3C-D651-EC29-BA62D0296787}"/>
+              </a:ext>
+            </a:extLst>
+          </p:cNvPr>
+          <p:cNvPicPr>
+            <a:picLocks noChangeAspect="1"/>
+          </p:cNvPicPr>
+          <p:nvPr/>
+        </p:nvPicPr>
+        <p:blipFill rotWithShape="1">
+          <a:blip r:embed="rId2"/>
+          <a:srcRect l="49790"/>
+          <a:stretch/>
+        </p:blipFill>
+        <p:spPr>
+          <a:xfrm>
+            <a:off x="5780221" y="3829588"/>
+            <a:ext cx="2866609" cy="2908466"/>
           </a:xfrm>
           <a:prstGeom prst="rect">
             <a:avLst/>

--- a/projekt_dl/SIGN LANGAUGE MNIST.pptx
+++ b/projekt_dl/SIGN LANGAUGE MNIST.pptx
@@ -275,7 +275,7 @@
           <a:p>
             <a:fld id="{203E222E-0805-4CAD-B87C-507E4F056BAA}" type="datetimeFigureOut">
               <a:rPr lang="pl-PL" smtClean="0"/>
-              <a:t>20.10.2022</a:t>
+              <a:t>22.10.2022</a:t>
             </a:fld>
             <a:endParaRPr lang="pl-PL"/>
           </a:p>
@@ -473,7 +473,7 @@
           <a:p>
             <a:fld id="{203E222E-0805-4CAD-B87C-507E4F056BAA}" type="datetimeFigureOut">
               <a:rPr lang="pl-PL" smtClean="0"/>
-              <a:t>20.10.2022</a:t>
+              <a:t>22.10.2022</a:t>
             </a:fld>
             <a:endParaRPr lang="pl-PL"/>
           </a:p>
@@ -681,7 +681,7 @@
           <a:p>
             <a:fld id="{203E222E-0805-4CAD-B87C-507E4F056BAA}" type="datetimeFigureOut">
               <a:rPr lang="pl-PL" smtClean="0"/>
-              <a:t>20.10.2022</a:t>
+              <a:t>22.10.2022</a:t>
             </a:fld>
             <a:endParaRPr lang="pl-PL"/>
           </a:p>
@@ -879,7 +879,7 @@
           <a:p>
             <a:fld id="{203E222E-0805-4CAD-B87C-507E4F056BAA}" type="datetimeFigureOut">
               <a:rPr lang="pl-PL" smtClean="0"/>
-              <a:t>20.10.2022</a:t>
+              <a:t>22.10.2022</a:t>
             </a:fld>
             <a:endParaRPr lang="pl-PL"/>
           </a:p>
@@ -1154,7 +1154,7 @@
           <a:p>
             <a:fld id="{203E222E-0805-4CAD-B87C-507E4F056BAA}" type="datetimeFigureOut">
               <a:rPr lang="pl-PL" smtClean="0"/>
-              <a:t>20.10.2022</a:t>
+              <a:t>22.10.2022</a:t>
             </a:fld>
             <a:endParaRPr lang="pl-PL"/>
           </a:p>
@@ -1419,7 +1419,7 @@
           <a:p>
             <a:fld id="{203E222E-0805-4CAD-B87C-507E4F056BAA}" type="datetimeFigureOut">
               <a:rPr lang="pl-PL" smtClean="0"/>
-              <a:t>20.10.2022</a:t>
+              <a:t>22.10.2022</a:t>
             </a:fld>
             <a:endParaRPr lang="pl-PL"/>
           </a:p>
@@ -1831,7 +1831,7 @@
           <a:p>
             <a:fld id="{203E222E-0805-4CAD-B87C-507E4F056BAA}" type="datetimeFigureOut">
               <a:rPr lang="pl-PL" smtClean="0"/>
-              <a:t>20.10.2022</a:t>
+              <a:t>22.10.2022</a:t>
             </a:fld>
             <a:endParaRPr lang="pl-PL"/>
           </a:p>
@@ -1972,7 +1972,7 @@
           <a:p>
             <a:fld id="{203E222E-0805-4CAD-B87C-507E4F056BAA}" type="datetimeFigureOut">
               <a:rPr lang="pl-PL" smtClean="0"/>
-              <a:t>20.10.2022</a:t>
+              <a:t>22.10.2022</a:t>
             </a:fld>
             <a:endParaRPr lang="pl-PL"/>
           </a:p>
@@ -2085,7 +2085,7 @@
           <a:p>
             <a:fld id="{203E222E-0805-4CAD-B87C-507E4F056BAA}" type="datetimeFigureOut">
               <a:rPr lang="pl-PL" smtClean="0"/>
-              <a:t>20.10.2022</a:t>
+              <a:t>22.10.2022</a:t>
             </a:fld>
             <a:endParaRPr lang="pl-PL"/>
           </a:p>
@@ -2396,7 +2396,7 @@
           <a:p>
             <a:fld id="{203E222E-0805-4CAD-B87C-507E4F056BAA}" type="datetimeFigureOut">
               <a:rPr lang="pl-PL" smtClean="0"/>
-              <a:t>20.10.2022</a:t>
+              <a:t>22.10.2022</a:t>
             </a:fld>
             <a:endParaRPr lang="pl-PL"/>
           </a:p>
@@ -2684,7 +2684,7 @@
           <a:p>
             <a:fld id="{203E222E-0805-4CAD-B87C-507E4F056BAA}" type="datetimeFigureOut">
               <a:rPr lang="pl-PL" smtClean="0"/>
-              <a:t>20.10.2022</a:t>
+              <a:t>22.10.2022</a:t>
             </a:fld>
             <a:endParaRPr lang="pl-PL"/>
           </a:p>
@@ -2925,7 +2925,7 @@
           <a:p>
             <a:fld id="{203E222E-0805-4CAD-B87C-507E4F056BAA}" type="datetimeFigureOut">
               <a:rPr lang="pl-PL" smtClean="0"/>
-              <a:t>20.10.2022</a:t>
+              <a:t>22.10.2022</a:t>
             </a:fld>
             <a:endParaRPr lang="pl-PL"/>
           </a:p>
@@ -3953,7 +3953,7 @@
         </p:nvSpPr>
         <p:spPr>
           <a:xfrm>
-            <a:off x="838200" y="365125"/>
+            <a:off x="1609987" y="308590"/>
             <a:ext cx="8671560" cy="823595"/>
           </a:xfrm>
           <a:solidFill>
@@ -3996,15 +3996,20 @@
           </p:nvPr>
         </p:nvPicPr>
         <p:blipFill>
-          <a:blip r:embed="rId2"/>
-          <a:stretch>
-            <a:fillRect/>
-          </a:stretch>
+          <a:blip r:embed="rId2">
+            <a:extLst>
+              <a:ext uri="{28A0092B-C50C-407E-A947-70E740481C1C}">
+                <a14:useLocalDpi xmlns:a14="http://schemas.microsoft.com/office/drawing/2010/main" val="0"/>
+              </a:ext>
+            </a:extLst>
+          </a:blip>
+          <a:srcRect/>
+          <a:stretch/>
         </p:blipFill>
         <p:spPr>
           <a:xfrm>
-            <a:off x="2808317" y="1532746"/>
-            <a:ext cx="5338156" cy="4837834"/>
+            <a:off x="2961315" y="1532746"/>
+            <a:ext cx="5931016" cy="5016664"/>
           </a:xfrm>
         </p:spPr>
       </p:pic>
@@ -4097,15 +4102,20 @@
           <p:nvPr/>
         </p:nvPicPr>
         <p:blipFill>
-          <a:blip r:embed="rId2"/>
-          <a:stretch>
-            <a:fillRect/>
-          </a:stretch>
+          <a:blip r:embed="rId2">
+            <a:extLst>
+              <a:ext uri="{28A0092B-C50C-407E-A947-70E740481C1C}">
+                <a14:useLocalDpi xmlns:a14="http://schemas.microsoft.com/office/drawing/2010/main" val="0"/>
+              </a:ext>
+            </a:extLst>
+          </a:blip>
+          <a:srcRect/>
+          <a:stretch/>
         </p:blipFill>
         <p:spPr>
           <a:xfrm>
-            <a:off x="2581275" y="1285875"/>
-            <a:ext cx="6420329" cy="5415425"/>
+            <a:off x="2801923" y="1285875"/>
+            <a:ext cx="6115574" cy="5415425"/>
           </a:xfrm>
           <a:prstGeom prst="rect">
             <a:avLst/>
@@ -5091,14 +5101,12 @@
             </a:extLst>
           </a:blip>
           <a:srcRect/>
-          <a:stretch>
-            <a:fillRect/>
-          </a:stretch>
+          <a:stretch/>
         </p:blipFill>
         <p:spPr bwMode="auto">
           <a:xfrm>
-            <a:off x="4467225" y="2219325"/>
-            <a:ext cx="6972299" cy="4273549"/>
+            <a:off x="4848837" y="2219325"/>
+            <a:ext cx="6504963" cy="4273549"/>
           </a:xfrm>
           <a:prstGeom prst="rect">
             <a:avLst/>

--- a/projekt_dl/SIGN LANGAUGE MNIST.pptx
+++ b/projekt_dl/SIGN LANGAUGE MNIST.pptx
@@ -3609,7 +3609,7 @@
         </p:nvSpPr>
         <p:spPr>
           <a:xfrm>
-            <a:off x="1738312" y="129994"/>
+            <a:off x="838200" y="365125"/>
             <a:ext cx="8715375" cy="1101725"/>
           </a:xfrm>
           <a:solidFill>
@@ -3649,15 +3649,16 @@
             <p:ph idx="1"/>
           </p:nvPr>
         </p:nvPicPr>
-        <p:blipFill rotWithShape="1">
+        <p:blipFill>
           <a:blip r:embed="rId2"/>
-          <a:srcRect t="1216" b="2867"/>
-          <a:stretch/>
+          <a:stretch>
+            <a:fillRect/>
+          </a:stretch>
         </p:blipFill>
         <p:spPr>
           <a:xfrm>
-            <a:off x="7430518" y="1346971"/>
-            <a:ext cx="4125756" cy="5472259"/>
+            <a:off x="7554001" y="1711326"/>
+            <a:ext cx="3146730" cy="4351338"/>
           </a:xfrm>
         </p:spPr>
       </p:pic>
@@ -3675,15 +3676,16 @@
           </p:cNvPicPr>
           <p:nvPr/>
         </p:nvPicPr>
-        <p:blipFill rotWithShape="1">
+        <p:blipFill>
           <a:blip r:embed="rId3"/>
-          <a:srcRect r="3447"/>
-          <a:stretch/>
+          <a:stretch>
+            <a:fillRect/>
+          </a:stretch>
         </p:blipFill>
         <p:spPr>
           <a:xfrm>
-            <a:off x="373805" y="1476194"/>
-            <a:ext cx="6843356" cy="4558845"/>
+            <a:off x="347678" y="1711326"/>
+            <a:ext cx="5854365" cy="3765550"/>
           </a:xfrm>
           <a:prstGeom prst="rect">
             <a:avLst/>
@@ -3779,7 +3781,7 @@
         </p:blipFill>
         <p:spPr>
           <a:xfrm>
-            <a:off x="9509760" y="60192"/>
+            <a:off x="9509760" y="103735"/>
             <a:ext cx="2036618" cy="6696075"/>
           </a:xfrm>
           <a:prstGeom prst="rect">
@@ -3809,8 +3811,8 @@
         </p:blipFill>
         <p:spPr>
           <a:xfrm>
-            <a:off x="443081" y="1457237"/>
-            <a:ext cx="8538486" cy="4839060"/>
+            <a:off x="929111" y="1822997"/>
+            <a:ext cx="7766002" cy="4401266"/>
           </a:xfrm>
           <a:prstGeom prst="rect">
             <a:avLst/>
@@ -3895,8 +3897,8 @@
         </p:blipFill>
         <p:spPr>
           <a:xfrm>
-            <a:off x="8012875" y="599884"/>
-            <a:ext cx="3754619" cy="5818334"/>
+            <a:off x="8726978" y="336765"/>
+            <a:ext cx="2811087" cy="4351338"/>
           </a:xfrm>
           <a:prstGeom prst="rect">
             <a:avLst/>
@@ -3951,7 +3953,7 @@
         </p:nvSpPr>
         <p:spPr>
           <a:xfrm>
-            <a:off x="1760220" y="269331"/>
+            <a:off x="1609987" y="308590"/>
             <a:ext cx="8671560" cy="823595"/>
           </a:xfrm>
           <a:solidFill>
@@ -3972,7 +3974,7 @@
               <a:rPr lang="pl-PL" sz="2800" dirty="0">
                 <a:latin typeface="Libre Franklin" pitchFamily="2" charset="-18"/>
               </a:rPr>
-              <a:t>PREDYKCJA MODELU - CONFUSION MATRIX</a:t>
+              <a:t>PREDYKCJA MODELU -CONFUSION MATRIX</a:t>
             </a:r>
           </a:p>
         </p:txBody>
@@ -3994,15 +3996,20 @@
           </p:nvPr>
         </p:nvPicPr>
         <p:blipFill>
-          <a:blip r:embed="rId2"/>
-          <a:stretch>
-            <a:fillRect/>
-          </a:stretch>
+          <a:blip r:embed="rId2">
+            <a:extLst>
+              <a:ext uri="{28A0092B-C50C-407E-A947-70E740481C1C}">
+                <a14:useLocalDpi xmlns:a14="http://schemas.microsoft.com/office/drawing/2010/main" val="0"/>
+              </a:ext>
+            </a:extLst>
+          </a:blip>
+          <a:srcRect/>
+          <a:stretch/>
         </p:blipFill>
         <p:spPr>
           <a:xfrm>
-            <a:off x="3243745" y="1323739"/>
-            <a:ext cx="5830586" cy="5284111"/>
+            <a:off x="2961315" y="1532746"/>
+            <a:ext cx="5931016" cy="5016664"/>
           </a:xfrm>
         </p:spPr>
       </p:pic>
@@ -4095,15 +4102,20 @@
           <p:nvPr/>
         </p:nvPicPr>
         <p:blipFill>
-          <a:blip r:embed="rId2"/>
-          <a:stretch>
-            <a:fillRect/>
-          </a:stretch>
+          <a:blip r:embed="rId2">
+            <a:extLst>
+              <a:ext uri="{28A0092B-C50C-407E-A947-70E740481C1C}">
+                <a14:useLocalDpi xmlns:a14="http://schemas.microsoft.com/office/drawing/2010/main" val="0"/>
+              </a:ext>
+            </a:extLst>
+          </a:blip>
+          <a:srcRect/>
+          <a:stretch/>
         </p:blipFill>
         <p:spPr>
           <a:xfrm>
-            <a:off x="2581275" y="1285875"/>
-            <a:ext cx="6420329" cy="5415425"/>
+            <a:off x="2801923" y="1285875"/>
+            <a:ext cx="6115574" cy="5415425"/>
           </a:xfrm>
           <a:prstGeom prst="rect">
             <a:avLst/>
@@ -4200,15 +4212,16 @@
             <p:ph idx="1"/>
           </p:nvPr>
         </p:nvPicPr>
-        <p:blipFill rotWithShape="1">
+        <p:blipFill>
           <a:blip r:embed="rId2"/>
-          <a:srcRect b="1999"/>
-          <a:stretch/>
+          <a:stretch>
+            <a:fillRect/>
+          </a:stretch>
         </p:blipFill>
         <p:spPr>
           <a:xfrm>
-            <a:off x="838199" y="1877275"/>
-            <a:ext cx="6301329" cy="4270976"/>
+            <a:off x="838200" y="1877275"/>
+            <a:ext cx="5487372" cy="3795121"/>
           </a:xfrm>
         </p:spPr>
       </p:pic>
@@ -4239,8 +4252,8 @@
         </p:blipFill>
         <p:spPr>
           <a:xfrm>
-            <a:off x="8400209" y="3068980"/>
-            <a:ext cx="2515085" cy="2678677"/>
+            <a:off x="9401696" y="2302626"/>
+            <a:ext cx="1570594" cy="1672752"/>
           </a:xfrm>
           <a:prstGeom prst="rect">
             <a:avLst/>
@@ -4343,8 +4356,8 @@
         </p:blipFill>
         <p:spPr>
           <a:xfrm>
-            <a:off x="2834372" y="1539330"/>
-            <a:ext cx="6579594" cy="5214537"/>
+            <a:off x="3147881" y="1635124"/>
+            <a:ext cx="5724787" cy="4537075"/>
           </a:xfrm>
         </p:spPr>
       </p:pic>
@@ -4398,8 +4411,8 @@
         </p:nvSpPr>
         <p:spPr>
           <a:xfrm>
-            <a:off x="7157257" y="3873095"/>
-            <a:ext cx="3832959" cy="1325563"/>
+            <a:off x="7157258" y="3873095"/>
+            <a:ext cx="3174076" cy="1325563"/>
           </a:xfrm>
           <a:solidFill>
             <a:schemeClr val="accent2">
@@ -4412,7 +4425,7 @@
           <a:bodyPr/>
           <a:lstStyle/>
           <a:p>
-            <a:pPr algn="ctr"/>
+            <a:pPr algn="r"/>
             <a:r>
               <a:rPr lang="pl-PL" b="1" i="1" dirty="0"/>
               <a:t>Dziękujemy   </a:t>
@@ -5088,14 +5101,12 @@
             </a:extLst>
           </a:blip>
           <a:srcRect/>
-          <a:stretch>
-            <a:fillRect/>
-          </a:stretch>
+          <a:stretch/>
         </p:blipFill>
         <p:spPr bwMode="auto">
           <a:xfrm>
-            <a:off x="4493350" y="2393496"/>
-            <a:ext cx="6972299" cy="4273549"/>
+            <a:off x="4848837" y="2219325"/>
+            <a:ext cx="6504963" cy="4273549"/>
           </a:xfrm>
           <a:prstGeom prst="rect">
             <a:avLst/>
@@ -5819,44 +5830,44 @@
             <p:ph idx="1"/>
             <p:extLst>
               <p:ext uri="{D42A27DB-BD31-4B8C-83A1-F6EECF244321}">
-                <p14:modId xmlns:p14="http://schemas.microsoft.com/office/powerpoint/2010/main" val="2182055594"/>
+                <p14:modId xmlns:p14="http://schemas.microsoft.com/office/powerpoint/2010/main" val="1727137503"/>
               </p:ext>
             </p:extLst>
           </p:nvPr>
         </p:nvGraphicFramePr>
         <p:xfrm>
-          <a:off x="838200" y="1506583"/>
-          <a:ext cx="10509069" cy="4605771"/>
+          <a:off x="838200" y="1825625"/>
+          <a:ext cx="10515600" cy="3037840"/>
         </p:xfrm>
         <a:graphic>
           <a:graphicData uri="http://schemas.openxmlformats.org/drawingml/2006/table">
             <a:tbl>
               <a:tblPr firstRow="1" bandRow="1">
-                <a:tableStyleId>{1FECB4D8-DB02-4DC6-A0A2-4F2EBAE1DC90}</a:tableStyleId>
+                <a:tableStyleId>{5C22544A-7EE6-4342-B048-85BDC9FD1C3A}</a:tableStyleId>
               </a:tblPr>
               <a:tblGrid>
-                <a:gridCol w="1322287">
+                <a:gridCol w="1323109">
                   <a:extLst>
                     <a:ext uri="{9D8B030D-6E8A-4147-A177-3AD203B41FA5}">
                       <a16:colId xmlns:a16="http://schemas.microsoft.com/office/drawing/2014/main" val="2661988964"/>
                     </a:ext>
                   </a:extLst>
                 </a:gridCol>
-                <a:gridCol w="1362440">
+                <a:gridCol w="1363287">
                   <a:extLst>
                     <a:ext uri="{9D8B030D-6E8A-4147-A177-3AD203B41FA5}">
                       <a16:colId xmlns:a16="http://schemas.microsoft.com/office/drawing/2014/main" val="496396733"/>
                     </a:ext>
                   </a:extLst>
                 </a:gridCol>
-                <a:gridCol w="1694744">
+                <a:gridCol w="1695797">
                   <a:extLst>
                     <a:ext uri="{9D8B030D-6E8A-4147-A177-3AD203B41FA5}">
                       <a16:colId xmlns:a16="http://schemas.microsoft.com/office/drawing/2014/main" val="1245317858"/>
                     </a:ext>
                   </a:extLst>
                 </a:gridCol>
-                <a:gridCol w="6129598">
+                <a:gridCol w="6133407">
                   <a:extLst>
                     <a:ext uri="{9D8B030D-6E8A-4147-A177-3AD203B41FA5}">
                       <a16:colId xmlns:a16="http://schemas.microsoft.com/office/drawing/2014/main" val="4171229488"/>
@@ -5864,21 +5875,19 @@
                   </a:extLst>
                 </a:gridCol>
               </a:tblGrid>
-              <a:tr h="529417">
+              <a:tr h="370840">
                 <a:tc>
                   <a:txBody>
                     <a:bodyPr/>
                     <a:lstStyle/>
                     <a:p>
                       <a:r>
-                        <a:rPr lang="pl-PL" b="1" dirty="0">
-                          <a:latin typeface="+mj-lt"/>
-                        </a:rPr>
+                        <a:rPr lang="pl-PL" dirty="0"/>
                         <a:t>Model</a:t>
                       </a:r>
                     </a:p>
                   </a:txBody>
-                  <a:tcPr anchor="ctr"/>
+                  <a:tcPr/>
                 </a:tc>
                 <a:tc>
                   <a:txBody>
@@ -5886,17 +5895,13 @@
                     <a:lstStyle/>
                     <a:p>
                       <a:r>
-                        <a:rPr lang="pl-PL" b="1" dirty="0" err="1">
-                          <a:latin typeface="+mj-lt"/>
-                        </a:rPr>
+                        <a:rPr lang="pl-PL" dirty="0" err="1"/>
                         <a:t>Accuracy</a:t>
                       </a:r>
-                      <a:endParaRPr lang="pl-PL" b="1" dirty="0">
-                        <a:latin typeface="+mj-lt"/>
-                      </a:endParaRPr>
+                      <a:endParaRPr lang="pl-PL" dirty="0"/>
                     </a:p>
                   </a:txBody>
-                  <a:tcPr anchor="ctr"/>
+                  <a:tcPr/>
                 </a:tc>
                 <a:tc>
                   <a:txBody>
@@ -5904,14 +5909,12 @@
                     <a:lstStyle/>
                     <a:p>
                       <a:r>
-                        <a:rPr lang="pl-PL" b="1" dirty="0">
-                          <a:latin typeface="+mj-lt"/>
-                        </a:rPr>
+                        <a:rPr lang="pl-PL" dirty="0"/>
                         <a:t>Liczba warstw</a:t>
                       </a:r>
                     </a:p>
                   </a:txBody>
-                  <a:tcPr anchor="ctr"/>
+                  <a:tcPr/>
                 </a:tc>
                 <a:tc>
                   <a:txBody>
@@ -5919,14 +5922,12 @@
                     <a:lstStyle/>
                     <a:p>
                       <a:r>
-                        <a:rPr lang="pl-PL" b="1" dirty="0">
-                          <a:latin typeface="+mj-lt"/>
-                        </a:rPr>
+                        <a:rPr lang="pl-PL" dirty="0"/>
                         <a:t>Zastosowano dodatkowo</a:t>
                       </a:r>
                     </a:p>
                   </a:txBody>
-                  <a:tcPr anchor="ctr"/>
+                  <a:tcPr/>
                 </a:tc>
                 <a:extLst>
                   <a:ext uri="{0D108BD9-81ED-4DB2-BD59-A6C34878D82A}">
@@ -5934,21 +5935,19 @@
                   </a:ext>
                 </a:extLst>
               </a:tr>
-              <a:tr h="529417">
+              <a:tr h="370840">
                 <a:tc>
                   <a:txBody>
                     <a:bodyPr/>
                     <a:lstStyle/>
                     <a:p>
                       <a:r>
-                        <a:rPr lang="pl-PL" dirty="0">
-                          <a:latin typeface="+mj-lt"/>
-                        </a:rPr>
+                        <a:rPr lang="pl-PL" dirty="0"/>
                         <a:t>Model_1</a:t>
                       </a:r>
                     </a:p>
                   </a:txBody>
-                  <a:tcPr anchor="ctr"/>
+                  <a:tcPr/>
                 </a:tc>
                 <a:tc>
                   <a:txBody>
@@ -5956,14 +5955,12 @@
                     <a:lstStyle/>
                     <a:p>
                       <a:r>
-                        <a:rPr lang="pl-PL" dirty="0">
-                          <a:latin typeface="+mj-lt"/>
-                        </a:rPr>
+                        <a:rPr lang="pl-PL" dirty="0"/>
                         <a:t>0,8658</a:t>
                       </a:r>
                     </a:p>
                   </a:txBody>
-                  <a:tcPr anchor="ctr"/>
+                  <a:tcPr/>
                 </a:tc>
                 <a:tc>
                   <a:txBody>
@@ -5971,14 +5968,42 @@
                     <a:lstStyle/>
                     <a:p>
                       <a:r>
-                        <a:rPr lang="pl-PL" dirty="0">
-                          <a:latin typeface="+mj-lt"/>
-                        </a:rPr>
+                        <a:rPr lang="pl-PL" dirty="0"/>
                         <a:t>9</a:t>
                       </a:r>
                     </a:p>
                   </a:txBody>
-                  <a:tcPr anchor="ctr"/>
+                  <a:tcPr/>
+                </a:tc>
+                <a:tc>
+                  <a:txBody>
+                    <a:bodyPr/>
+                    <a:lstStyle/>
+                    <a:p>
+                      <a:endParaRPr lang="pl-PL" dirty="0"/>
+                    </a:p>
+                  </a:txBody>
+                  <a:tcPr/>
+                </a:tc>
+                <a:extLst>
+                  <a:ext uri="{0D108BD9-81ED-4DB2-BD59-A6C34878D82A}">
+                    <a16:rowId xmlns:a16="http://schemas.microsoft.com/office/drawing/2014/main" val="2509102346"/>
+                  </a:ext>
+                </a:extLst>
+              </a:tr>
+              <a:tr h="370840">
+                <a:tc>
+                  <a:txBody>
+                    <a:bodyPr/>
+                    <a:lstStyle/>
+                    <a:p>
+                      <a:r>
+                        <a:rPr lang="pl-PL" dirty="0"/>
+                        <a:t>Model_2</a:t>
+                      </a:r>
+                    </a:p>
+                  </a:txBody>
+                  <a:tcPr/>
                 </a:tc>
                 <a:tc>
                   <a:txBody>
@@ -5986,36 +6011,12 @@
                     <a:lstStyle/>
                     <a:p>
                       <a:r>
-                        <a:rPr lang="pl-PL" dirty="0">
-                          <a:latin typeface="+mj-lt"/>
-                        </a:rPr>
-                        <a:t>-</a:t>
+                        <a:rPr lang="pl-PL" dirty="0"/>
+                        <a:t>0,9464</a:t>
                       </a:r>
                     </a:p>
                   </a:txBody>
-                  <a:tcPr anchor="ctr"/>
-                </a:tc>
-                <a:extLst>
-                  <a:ext uri="{0D108BD9-81ED-4DB2-BD59-A6C34878D82A}">
-                    <a16:rowId xmlns:a16="http://schemas.microsoft.com/office/drawing/2014/main" val="2509102346"/>
-                  </a:ext>
-                </a:extLst>
-              </a:tr>
-              <a:tr h="529417">
-                <a:tc>
-                  <a:txBody>
-                    <a:bodyPr/>
-                    <a:lstStyle/>
-                    <a:p>
-                      <a:r>
-                        <a:rPr lang="pl-PL" dirty="0">
-                          <a:latin typeface="+mj-lt"/>
-                        </a:rPr>
-                        <a:t>Model_2</a:t>
-                      </a:r>
-                    </a:p>
-                  </a:txBody>
-                  <a:tcPr anchor="ctr"/>
+                  <a:tcPr/>
                 </a:tc>
                 <a:tc>
                   <a:txBody>
@@ -6023,14 +6024,42 @@
                     <a:lstStyle/>
                     <a:p>
                       <a:r>
-                        <a:rPr lang="pl-PL" dirty="0">
-                          <a:latin typeface="+mj-lt"/>
-                        </a:rPr>
-                        <a:t>0,9464</a:t>
+                        <a:rPr lang="pl-PL" dirty="0"/>
+                        <a:t>10</a:t>
                       </a:r>
                     </a:p>
                   </a:txBody>
-                  <a:tcPr anchor="ctr"/>
+                  <a:tcPr/>
+                </a:tc>
+                <a:tc>
+                  <a:txBody>
+                    <a:bodyPr/>
+                    <a:lstStyle/>
+                    <a:p>
+                      <a:endParaRPr lang="pl-PL" dirty="0"/>
+                    </a:p>
+                  </a:txBody>
+                  <a:tcPr/>
+                </a:tc>
+                <a:extLst>
+                  <a:ext uri="{0D108BD9-81ED-4DB2-BD59-A6C34878D82A}">
+                    <a16:rowId xmlns:a16="http://schemas.microsoft.com/office/drawing/2014/main" val="2927736027"/>
+                  </a:ext>
+                </a:extLst>
+              </a:tr>
+              <a:tr h="370840">
+                <a:tc>
+                  <a:txBody>
+                    <a:bodyPr/>
+                    <a:lstStyle/>
+                    <a:p>
+                      <a:r>
+                        <a:rPr lang="pl-PL" dirty="0"/>
+                        <a:t>Model_3</a:t>
+                      </a:r>
+                    </a:p>
+                  </a:txBody>
+                  <a:tcPr/>
                 </a:tc>
                 <a:tc>
                   <a:txBody>
@@ -6038,14 +6067,12 @@
                     <a:lstStyle/>
                     <a:p>
                       <a:r>
-                        <a:rPr lang="pl-PL" dirty="0">
-                          <a:latin typeface="+mj-lt"/>
-                        </a:rPr>
-                        <a:t>10</a:t>
+                        <a:rPr lang="pl-PL" dirty="0"/>
+                        <a:t>0,8626</a:t>
                       </a:r>
                     </a:p>
                   </a:txBody>
-                  <a:tcPr anchor="ctr"/>
+                  <a:tcPr/>
                 </a:tc>
                 <a:tc>
                   <a:txBody>
@@ -6053,66 +6080,12 @@
                     <a:lstStyle/>
                     <a:p>
                       <a:r>
-                        <a:rPr lang="pl-PL" dirty="0">
-                          <a:latin typeface="+mj-lt"/>
-                        </a:rPr>
-                        <a:t>-</a:t>
-                      </a:r>
-                    </a:p>
-                  </a:txBody>
-                  <a:tcPr anchor="ctr"/>
-                </a:tc>
-                <a:extLst>
-                  <a:ext uri="{0D108BD9-81ED-4DB2-BD59-A6C34878D82A}">
-                    <a16:rowId xmlns:a16="http://schemas.microsoft.com/office/drawing/2014/main" val="2927736027"/>
-                  </a:ext>
-                </a:extLst>
-              </a:tr>
-              <a:tr h="529417">
-                <a:tc>
-                  <a:txBody>
-                    <a:bodyPr/>
-                    <a:lstStyle/>
-                    <a:p>
-                      <a:r>
-                        <a:rPr lang="pl-PL" dirty="0">
-                          <a:latin typeface="+mj-lt"/>
-                        </a:rPr>
-                        <a:t>Model_3</a:t>
-                      </a:r>
-                    </a:p>
-                  </a:txBody>
-                  <a:tcPr anchor="ctr"/>
-                </a:tc>
-                <a:tc>
-                  <a:txBody>
-                    <a:bodyPr/>
-                    <a:lstStyle/>
-                    <a:p>
-                      <a:r>
-                        <a:rPr lang="pl-PL" dirty="0">
-                          <a:latin typeface="+mj-lt"/>
-                        </a:rPr>
-                        <a:t>0,8626</a:t>
-                      </a:r>
-                    </a:p>
-                  </a:txBody>
-                  <a:tcPr anchor="ctr"/>
-                </a:tc>
-                <a:tc>
-                  <a:txBody>
-                    <a:bodyPr/>
-                    <a:lstStyle/>
-                    <a:p>
-                      <a:r>
-                        <a:rPr lang="pl-PL" dirty="0">
-                          <a:latin typeface="+mj-lt"/>
-                        </a:rPr>
+                        <a:rPr lang="pl-PL" dirty="0"/>
                         <a:t>13</a:t>
                       </a:r>
                     </a:p>
                   </a:txBody>
-                  <a:tcPr anchor="ctr"/>
+                  <a:tcPr/>
                 </a:tc>
                 <a:tc>
                   <a:txBody>
@@ -6137,40 +6110,22 @@
                         <a:defRPr/>
                       </a:pPr>
                       <a:r>
-                        <a:rPr lang="pl-PL" dirty="0" err="1">
-                          <a:latin typeface="+mj-lt"/>
-                        </a:rPr>
+                        <a:rPr lang="pl-PL" dirty="0" err="1"/>
                         <a:t>Dropout</a:t>
                       </a:r>
-                      <a:endParaRPr lang="pl-PL" dirty="0">
-                        <a:latin typeface="+mj-lt"/>
-                      </a:endParaRPr>
-                    </a:p>
-                    <a:p>
-                      <a:pPr marL="0" marR="0" lvl="0" indent="0" algn="l" defTabSz="914400" rtl="0" eaLnBrk="1" fontAlgn="auto" latinLnBrk="0" hangingPunct="1">
-                        <a:lnSpc>
-                          <a:spcPct val="100000"/>
-                        </a:lnSpc>
-                        <a:spcBef>
-                          <a:spcPts val="0"/>
-                        </a:spcBef>
-                        <a:spcAft>
-                          <a:spcPts val="0"/>
-                        </a:spcAft>
-                        <a:buClrTx/>
-                        <a:buSzTx/>
-                        <a:buFontTx/>
-                        <a:buNone/>
-                        <a:tabLst/>
-                        <a:defRPr/>
-                      </a:pPr>
                       <a:r>
-                        <a:rPr lang="pl-PL" sz="1800" b="0" kern="1200" dirty="0" err="1">
+                        <a:rPr lang="pl-PL" dirty="0"/>
+                        <a:t>, </a:t>
+                      </a:r>
+                      <a:r>
+                        <a:rPr lang="pl-PL" sz="1800" b="0" i="0" kern="1200" dirty="0" err="1">
                           <a:solidFill>
                             <a:schemeClr val="dk1"/>
                           </a:solidFill>
                           <a:effectLst/>
-                          <a:latin typeface="+mj-lt"/>
+                          <a:latin typeface="+mn-lt"/>
+                          <a:ea typeface="+mn-ea"/>
+                          <a:cs typeface="+mn-cs"/>
                         </a:rPr>
                         <a:t>BatchNormalization</a:t>
                       </a:r>
@@ -6179,13 +6134,13 @@
                           <a:schemeClr val="dk1"/>
                         </a:solidFill>
                         <a:effectLst/>
-                        <a:latin typeface="+mj-lt"/>
+                        <a:latin typeface="+mn-lt"/>
                         <a:ea typeface="+mn-ea"/>
                         <a:cs typeface="+mn-cs"/>
                       </a:endParaRPr>
                     </a:p>
                   </a:txBody>
-                  <a:tcPr anchor="ctr"/>
+                  <a:tcPr/>
                 </a:tc>
                 <a:extLst>
                   <a:ext uri="{0D108BD9-81ED-4DB2-BD59-A6C34878D82A}">
@@ -6193,21 +6148,19 @@
                   </a:ext>
                 </a:extLst>
               </a:tr>
-              <a:tr h="913788">
+              <a:tr h="370840">
                 <a:tc>
                   <a:txBody>
                     <a:bodyPr/>
                     <a:lstStyle/>
                     <a:p>
                       <a:r>
-                        <a:rPr lang="pl-PL" dirty="0">
-                          <a:latin typeface="+mj-lt"/>
-                        </a:rPr>
+                        <a:rPr lang="pl-PL" dirty="0"/>
                         <a:t>Model_4</a:t>
                       </a:r>
                     </a:p>
                   </a:txBody>
-                  <a:tcPr anchor="ctr"/>
+                  <a:tcPr/>
                 </a:tc>
                 <a:tc>
                   <a:txBody>
@@ -6215,14 +6168,12 @@
                     <a:lstStyle/>
                     <a:p>
                       <a:r>
-                        <a:rPr lang="pl-PL" dirty="0">
-                          <a:latin typeface="+mj-lt"/>
-                        </a:rPr>
+                        <a:rPr lang="pl-PL" dirty="0"/>
                         <a:t>0,9675</a:t>
                       </a:r>
                     </a:p>
                   </a:txBody>
-                  <a:tcPr anchor="ctr"/>
+                  <a:tcPr/>
                 </a:tc>
                 <a:tc>
                   <a:txBody>
@@ -6230,14 +6181,12 @@
                     <a:lstStyle/>
                     <a:p>
                       <a:r>
-                        <a:rPr lang="pl-PL" dirty="0">
-                          <a:latin typeface="+mj-lt"/>
-                        </a:rPr>
+                        <a:rPr lang="pl-PL" dirty="0"/>
                         <a:t>13</a:t>
                       </a:r>
                     </a:p>
                   </a:txBody>
-                  <a:tcPr anchor="ctr"/>
+                  <a:tcPr/>
                 </a:tc>
                 <a:tc>
                   <a:txBody>
@@ -6262,102 +6211,70 @@
                         <a:defRPr/>
                       </a:pPr>
                       <a:r>
-                        <a:rPr lang="pl-PL" dirty="0" err="1">
-                          <a:latin typeface="+mj-lt"/>
-                        </a:rPr>
+                        <a:rPr lang="pl-PL" dirty="0" err="1"/>
                         <a:t>Dropout</a:t>
                       </a:r>
                       <a:r>
-                        <a:rPr lang="pl-PL" dirty="0">
-                          <a:latin typeface="+mj-lt"/>
-                        </a:rPr>
+                        <a:rPr lang="pl-PL" dirty="0"/>
                         <a:t>, </a:t>
                       </a:r>
-                    </a:p>
-                    <a:p>
-                      <a:pPr marL="0" marR="0" lvl="0" indent="0" algn="l" defTabSz="914400" rtl="0" eaLnBrk="1" fontAlgn="auto" latinLnBrk="0" hangingPunct="1">
-                        <a:lnSpc>
-                          <a:spcPct val="100000"/>
-                        </a:lnSpc>
-                        <a:spcBef>
-                          <a:spcPts val="0"/>
-                        </a:spcBef>
-                        <a:spcAft>
-                          <a:spcPts val="0"/>
-                        </a:spcAft>
-                        <a:buClrTx/>
-                        <a:buSzTx/>
-                        <a:buFontTx/>
-                        <a:buNone/>
-                        <a:tabLst/>
-                        <a:defRPr/>
-                      </a:pPr>
                       <a:r>
-                        <a:rPr lang="pl-PL" sz="1800" b="0" kern="1200" dirty="0" err="1">
+                        <a:rPr lang="pl-PL" sz="1800" b="0" i="0" kern="1200" dirty="0" err="1">
                           <a:solidFill>
                             <a:schemeClr val="dk1"/>
                           </a:solidFill>
                           <a:effectLst/>
-                          <a:latin typeface="+mj-lt"/>
+                          <a:latin typeface="+mn-lt"/>
+                          <a:ea typeface="+mn-ea"/>
+                          <a:cs typeface="+mn-cs"/>
                         </a:rPr>
                         <a:t>BatchNormalization</a:t>
                       </a:r>
                       <a:r>
-                        <a:rPr lang="pl-PL" sz="1800" b="0" kern="1200" dirty="0">
+                        <a:rPr lang="pl-PL" sz="1800" b="0" i="0" kern="1200" dirty="0">
                           <a:solidFill>
                             <a:schemeClr val="dk1"/>
                           </a:solidFill>
                           <a:effectLst/>
-                          <a:latin typeface="+mj-lt"/>
+                          <a:latin typeface="+mn-lt"/>
+                          <a:ea typeface="+mn-ea"/>
+                          <a:cs typeface="+mn-cs"/>
                         </a:rPr>
                         <a:t>,</a:t>
                       </a:r>
                       <a:r>
-                        <a:rPr lang="pl-PL" sz="1800" b="0" kern="1200" baseline="0" dirty="0">
+                        <a:rPr lang="pl-PL" sz="1800" b="0" i="0" kern="1200" baseline="0" dirty="0">
                           <a:solidFill>
                             <a:schemeClr val="dk1"/>
                           </a:solidFill>
                           <a:effectLst/>
-                          <a:latin typeface="+mj-lt"/>
+                          <a:latin typeface="+mn-lt"/>
+                          <a:ea typeface="+mn-ea"/>
+                          <a:cs typeface="+mn-cs"/>
                         </a:rPr>
                         <a:t> </a:t>
                       </a:r>
-                    </a:p>
-                    <a:p>
-                      <a:pPr marL="0" marR="0" lvl="0" indent="0" algn="l" defTabSz="914400" rtl="0" eaLnBrk="1" fontAlgn="auto" latinLnBrk="0" hangingPunct="1">
-                        <a:lnSpc>
-                          <a:spcPct val="100000"/>
-                        </a:lnSpc>
-                        <a:spcBef>
-                          <a:spcPts val="0"/>
-                        </a:spcBef>
-                        <a:spcAft>
-                          <a:spcPts val="0"/>
-                        </a:spcAft>
-                        <a:buClrTx/>
-                        <a:buSzTx/>
-                        <a:buFontTx/>
-                        <a:buNone/>
-                        <a:tabLst/>
-                        <a:defRPr/>
-                      </a:pPr>
                       <a:r>
-                        <a:rPr lang="pl-PL" sz="1800" b="0" kern="1200" baseline="0" dirty="0" err="1">
+                        <a:rPr lang="pl-PL" sz="1800" b="0" i="0" kern="1200" baseline="0" dirty="0" err="1">
                           <a:solidFill>
                             <a:schemeClr val="dk1"/>
                           </a:solidFill>
                           <a:effectLst/>
-                          <a:latin typeface="+mj-lt"/>
+                          <a:latin typeface="+mn-lt"/>
+                          <a:ea typeface="+mn-ea"/>
+                          <a:cs typeface="+mn-cs"/>
                         </a:rPr>
                         <a:t>Callbacks</a:t>
                       </a:r>
                       <a:r>
-                        <a:rPr lang="pl-PL" sz="1800" b="0" kern="1200" baseline="0" dirty="0">
+                        <a:rPr lang="pl-PL" sz="1800" b="0" i="0" kern="1200" baseline="0" dirty="0">
                           <a:solidFill>
                             <a:schemeClr val="dk1"/>
                           </a:solidFill>
                           <a:effectLst/>
-                          <a:latin typeface="+mj-lt"/>
+                          <a:latin typeface="+mn-lt"/>
+                          <a:ea typeface="+mn-ea"/>
+                          <a:cs typeface="+mn-cs"/>
                         </a:rPr>
                         <a:t> (</a:t>
                       </a:r>
@@ -6367,7 +6284,9 @@
                             <a:schemeClr val="dk1"/>
                           </a:solidFill>
                           <a:effectLst/>
-                          <a:latin typeface="+mj-lt"/>
+                          <a:latin typeface="+mn-lt"/>
+                          <a:ea typeface="+mn-ea"/>
+                          <a:cs typeface="+mn-cs"/>
                         </a:rPr>
                         <a:t>EarlyStopping</a:t>
                       </a:r>
@@ -6377,7 +6296,9 @@
                             <a:schemeClr val="dk1"/>
                           </a:solidFill>
                           <a:effectLst/>
-                          <a:latin typeface="+mj-lt"/>
+                          <a:latin typeface="+mn-lt"/>
+                          <a:ea typeface="+mn-ea"/>
+                          <a:cs typeface="+mn-cs"/>
                         </a:rPr>
                         <a:t> -</a:t>
                       </a:r>
@@ -6387,7 +6308,9 @@
                             <a:schemeClr val="dk1"/>
                           </a:solidFill>
                           <a:effectLst/>
-                          <a:latin typeface="+mj-lt"/>
+                          <a:latin typeface="+mn-lt"/>
+                          <a:ea typeface="+mn-ea"/>
+                          <a:cs typeface="+mn-cs"/>
                         </a:rPr>
                         <a:t>patience</a:t>
                       </a:r>
@@ -6397,7 +6320,9 @@
                             <a:schemeClr val="dk1"/>
                           </a:solidFill>
                           <a:effectLst/>
-                          <a:latin typeface="+mj-lt"/>
+                          <a:latin typeface="+mn-lt"/>
+                          <a:ea typeface="+mn-ea"/>
+                          <a:cs typeface="+mn-cs"/>
                         </a:rPr>
                         <a:t>=10, </a:t>
                       </a:r>
@@ -6407,7 +6332,9 @@
                             <a:schemeClr val="dk1"/>
                           </a:solidFill>
                           <a:effectLst/>
-                          <a:latin typeface="+mj-lt"/>
+                          <a:latin typeface="+mn-lt"/>
+                          <a:ea typeface="+mn-ea"/>
+                          <a:cs typeface="+mn-cs"/>
                         </a:rPr>
                         <a:t>ReduceLROnPlateau</a:t>
                       </a:r>
@@ -6417,7 +6344,9 @@
                             <a:schemeClr val="dk1"/>
                           </a:solidFill>
                           <a:effectLst/>
-                          <a:latin typeface="+mj-lt"/>
+                          <a:latin typeface="+mn-lt"/>
+                          <a:ea typeface="+mn-ea"/>
+                          <a:cs typeface="+mn-cs"/>
                         </a:rPr>
                         <a:t>)</a:t>
                       </a:r>
@@ -6426,13 +6355,13 @@
                           <a:schemeClr val="dk1"/>
                         </a:solidFill>
                         <a:effectLst/>
-                        <a:latin typeface="+mj-lt"/>
+                        <a:latin typeface="+mn-lt"/>
                         <a:ea typeface="+mn-ea"/>
                         <a:cs typeface="+mn-cs"/>
                       </a:endParaRPr>
                     </a:p>
                   </a:txBody>
-                  <a:tcPr anchor="ctr"/>
+                  <a:tcPr/>
                 </a:tc>
                 <a:extLst>
                   <a:ext uri="{0D108BD9-81ED-4DB2-BD59-A6C34878D82A}">
@@ -6440,21 +6369,19 @@
                   </a:ext>
                 </a:extLst>
               </a:tr>
-              <a:tr h="1305411">
+              <a:tr h="370840">
                 <a:tc>
                   <a:txBody>
                     <a:bodyPr/>
                     <a:lstStyle/>
                     <a:p>
                       <a:r>
-                        <a:rPr lang="pl-PL" dirty="0">
-                          <a:latin typeface="+mj-lt"/>
-                        </a:rPr>
+                        <a:rPr lang="pl-PL" dirty="0"/>
                         <a:t>Model_5</a:t>
                       </a:r>
                     </a:p>
                   </a:txBody>
-                  <a:tcPr anchor="ctr"/>
+                  <a:tcPr/>
                 </a:tc>
                 <a:tc>
                   <a:txBody>
@@ -6462,14 +6389,12 @@
                     <a:lstStyle/>
                     <a:p>
                       <a:r>
-                        <a:rPr lang="pl-PL" dirty="0">
-                          <a:latin typeface="+mj-lt"/>
-                        </a:rPr>
+                        <a:rPr lang="pl-PL" dirty="0"/>
                         <a:t>0,9979</a:t>
                       </a:r>
                     </a:p>
                   </a:txBody>
-                  <a:tcPr anchor="ctr"/>
+                  <a:tcPr/>
                 </a:tc>
                 <a:tc>
                   <a:txBody>
@@ -6477,14 +6402,12 @@
                     <a:lstStyle/>
                     <a:p>
                       <a:r>
-                        <a:rPr lang="pl-PL" dirty="0">
-                          <a:latin typeface="+mj-lt"/>
-                        </a:rPr>
+                        <a:rPr lang="pl-PL" dirty="0"/>
                         <a:t>13</a:t>
                       </a:r>
                     </a:p>
                   </a:txBody>
-                  <a:tcPr anchor="ctr"/>
+                  <a:tcPr/>
                 </a:tc>
                 <a:tc>
                   <a:txBody>
@@ -6509,102 +6432,70 @@
                         <a:defRPr/>
                       </a:pPr>
                       <a:r>
-                        <a:rPr lang="pl-PL" dirty="0" err="1">
-                          <a:latin typeface="+mj-lt"/>
-                        </a:rPr>
+                        <a:rPr lang="pl-PL" dirty="0" err="1"/>
                         <a:t>Dropout</a:t>
                       </a:r>
                       <a:r>
-                        <a:rPr lang="pl-PL" dirty="0">
-                          <a:latin typeface="+mj-lt"/>
-                        </a:rPr>
+                        <a:rPr lang="pl-PL" dirty="0"/>
                         <a:t>, </a:t>
                       </a:r>
-                    </a:p>
-                    <a:p>
-                      <a:pPr marL="0" marR="0" lvl="0" indent="0" algn="l" defTabSz="914400" rtl="0" eaLnBrk="1" fontAlgn="auto" latinLnBrk="0" hangingPunct="1">
-                        <a:lnSpc>
-                          <a:spcPct val="100000"/>
-                        </a:lnSpc>
-                        <a:spcBef>
-                          <a:spcPts val="0"/>
-                        </a:spcBef>
-                        <a:spcAft>
-                          <a:spcPts val="0"/>
-                        </a:spcAft>
-                        <a:buClrTx/>
-                        <a:buSzTx/>
-                        <a:buFontTx/>
-                        <a:buNone/>
-                        <a:tabLst/>
-                        <a:defRPr/>
-                      </a:pPr>
                       <a:r>
-                        <a:rPr lang="pl-PL" sz="1800" b="0" kern="1200" dirty="0" err="1">
+                        <a:rPr lang="pl-PL" sz="1800" b="0" i="0" kern="1200" dirty="0" err="1">
                           <a:solidFill>
                             <a:schemeClr val="dk1"/>
                           </a:solidFill>
                           <a:effectLst/>
-                          <a:latin typeface="+mj-lt"/>
+                          <a:latin typeface="+mn-lt"/>
+                          <a:ea typeface="+mn-ea"/>
+                          <a:cs typeface="+mn-cs"/>
                         </a:rPr>
                         <a:t>BatchNormalization</a:t>
                       </a:r>
                       <a:r>
-                        <a:rPr lang="pl-PL" sz="1800" b="0" kern="1200" dirty="0">
+                        <a:rPr lang="pl-PL" sz="1800" b="0" i="0" kern="1200" dirty="0">
                           <a:solidFill>
                             <a:schemeClr val="dk1"/>
                           </a:solidFill>
                           <a:effectLst/>
-                          <a:latin typeface="+mj-lt"/>
+                          <a:latin typeface="+mn-lt"/>
+                          <a:ea typeface="+mn-ea"/>
+                          <a:cs typeface="+mn-cs"/>
                         </a:rPr>
                         <a:t>,</a:t>
                       </a:r>
                       <a:r>
-                        <a:rPr lang="pl-PL" sz="1800" b="0" kern="1200" baseline="0" dirty="0">
+                        <a:rPr lang="pl-PL" sz="1800" b="0" i="0" kern="1200" baseline="0" dirty="0">
                           <a:solidFill>
                             <a:schemeClr val="dk1"/>
                           </a:solidFill>
                           <a:effectLst/>
-                          <a:latin typeface="+mj-lt"/>
+                          <a:latin typeface="+mn-lt"/>
+                          <a:ea typeface="+mn-ea"/>
+                          <a:cs typeface="+mn-cs"/>
                         </a:rPr>
                         <a:t> </a:t>
                       </a:r>
-                    </a:p>
-                    <a:p>
-                      <a:pPr marL="0" marR="0" lvl="0" indent="0" algn="l" defTabSz="914400" rtl="0" eaLnBrk="1" fontAlgn="auto" latinLnBrk="0" hangingPunct="1">
-                        <a:lnSpc>
-                          <a:spcPct val="100000"/>
-                        </a:lnSpc>
-                        <a:spcBef>
-                          <a:spcPts val="0"/>
-                        </a:spcBef>
-                        <a:spcAft>
-                          <a:spcPts val="0"/>
-                        </a:spcAft>
-                        <a:buClrTx/>
-                        <a:buSzTx/>
-                        <a:buFontTx/>
-                        <a:buNone/>
-                        <a:tabLst/>
-                        <a:defRPr/>
-                      </a:pPr>
                       <a:r>
-                        <a:rPr lang="pl-PL" sz="1800" b="0" kern="1200" baseline="0" dirty="0" err="1">
+                        <a:rPr lang="pl-PL" sz="1800" b="0" i="0" kern="1200" baseline="0" dirty="0" err="1">
                           <a:solidFill>
                             <a:schemeClr val="dk1"/>
                           </a:solidFill>
                           <a:effectLst/>
-                          <a:latin typeface="+mj-lt"/>
+                          <a:latin typeface="+mn-lt"/>
+                          <a:ea typeface="+mn-ea"/>
+                          <a:cs typeface="+mn-cs"/>
                         </a:rPr>
                         <a:t>Callbacks</a:t>
                       </a:r>
                       <a:r>
-                        <a:rPr lang="pl-PL" sz="1800" b="0" kern="1200" baseline="0" dirty="0">
+                        <a:rPr lang="pl-PL" sz="1800" b="0" i="0" kern="1200" baseline="0" dirty="0">
                           <a:solidFill>
                             <a:schemeClr val="dk1"/>
                           </a:solidFill>
                           <a:effectLst/>
-                          <a:latin typeface="+mj-lt"/>
+                          <a:latin typeface="+mn-lt"/>
+                          <a:ea typeface="+mn-ea"/>
+                          <a:cs typeface="+mn-cs"/>
                         </a:rPr>
                         <a:t> (</a:t>
                       </a:r>
@@ -6614,7 +6505,9 @@
                             <a:schemeClr val="dk1"/>
                           </a:solidFill>
                           <a:effectLst/>
-                          <a:latin typeface="+mj-lt"/>
+                          <a:latin typeface="+mn-lt"/>
+                          <a:ea typeface="+mn-ea"/>
+                          <a:cs typeface="+mn-cs"/>
                         </a:rPr>
                         <a:t>EarlyStopping</a:t>
                       </a:r>
@@ -6624,7 +6517,9 @@
                             <a:schemeClr val="dk1"/>
                           </a:solidFill>
                           <a:effectLst/>
-                          <a:latin typeface="+mj-lt"/>
+                          <a:latin typeface="+mn-lt"/>
+                          <a:ea typeface="+mn-ea"/>
+                          <a:cs typeface="+mn-cs"/>
                         </a:rPr>
                         <a:t> -</a:t>
                       </a:r>
@@ -6634,7 +6529,9 @@
                             <a:schemeClr val="dk1"/>
                           </a:solidFill>
                           <a:effectLst/>
-                          <a:latin typeface="+mj-lt"/>
+                          <a:latin typeface="+mn-lt"/>
+                          <a:ea typeface="+mn-ea"/>
+                          <a:cs typeface="+mn-cs"/>
                         </a:rPr>
                         <a:t>patience</a:t>
                       </a:r>
@@ -6644,7 +6541,9 @@
                             <a:schemeClr val="dk1"/>
                           </a:solidFill>
                           <a:effectLst/>
-                          <a:latin typeface="+mj-lt"/>
+                          <a:latin typeface="+mn-lt"/>
+                          <a:ea typeface="+mn-ea"/>
+                          <a:cs typeface="+mn-cs"/>
                         </a:rPr>
                         <a:t>=10, </a:t>
                       </a:r>
@@ -6654,7 +6553,9 @@
                             <a:schemeClr val="dk1"/>
                           </a:solidFill>
                           <a:effectLst/>
-                          <a:latin typeface="+mj-lt"/>
+                          <a:latin typeface="+mn-lt"/>
+                          <a:ea typeface="+mn-ea"/>
+                          <a:cs typeface="+mn-cs"/>
                         </a:rPr>
                         <a:t>ReduceLROnPlateau</a:t>
                       </a:r>
@@ -6664,18 +6565,27 @@
                             <a:schemeClr val="dk1"/>
                           </a:solidFill>
                           <a:effectLst/>
-                          <a:latin typeface="+mj-lt"/>
+                          <a:latin typeface="+mn-lt"/>
+                          <a:ea typeface="+mn-ea"/>
+                          <a:cs typeface="+mn-cs"/>
                         </a:rPr>
                         <a:t>), augmentacja</a:t>
                       </a:r>
+                      <a:endParaRPr lang="pl-PL" sz="1800" b="0" i="0" kern="1200" dirty="0">
+                        <a:solidFill>
+                          <a:schemeClr val="dk1"/>
+                        </a:solidFill>
+                        <a:effectLst/>
+                        <a:latin typeface="+mn-lt"/>
+                        <a:ea typeface="+mn-ea"/>
+                        <a:cs typeface="+mn-cs"/>
+                      </a:endParaRPr>
                     </a:p>
                     <a:p>
-                      <a:endParaRPr lang="pl-PL" dirty="0">
-                        <a:latin typeface="+mj-lt"/>
-                      </a:endParaRPr>
+                      <a:endParaRPr lang="pl-PL" dirty="0"/>
                     </a:p>
                   </a:txBody>
-                  <a:tcPr anchor="ctr"/>
+                  <a:tcPr/>
                 </a:tc>
                 <a:extLst>
                   <a:ext uri="{0D108BD9-81ED-4DB2-BD59-A6C34878D82A}">
@@ -6735,8 +6645,8 @@
         </p:nvSpPr>
         <p:spPr>
           <a:xfrm>
-            <a:off x="236616" y="204787"/>
-            <a:ext cx="8504484" cy="676275"/>
+            <a:off x="838200" y="638175"/>
+            <a:ext cx="7581900" cy="676275"/>
           </a:xfrm>
           <a:solidFill>
             <a:schemeClr val="accent2">
@@ -6775,15 +6685,16 @@
           </p:cNvPicPr>
           <p:nvPr/>
         </p:nvPicPr>
-        <p:blipFill rotWithShape="1">
+        <p:blipFill>
           <a:blip r:embed="rId2"/>
-          <a:srcRect r="51109"/>
-          <a:stretch/>
+          <a:stretch>
+            <a:fillRect/>
+          </a:stretch>
         </p:blipFill>
         <p:spPr>
           <a:xfrm>
-            <a:off x="5808400" y="921123"/>
-            <a:ext cx="2791296" cy="2908465"/>
+            <a:off x="3559234" y="3558943"/>
+            <a:ext cx="5410199" cy="2756132"/>
           </a:xfrm>
           <a:prstGeom prst="rect">
             <a:avLst/>
@@ -6812,7 +6723,7 @@
         </p:blipFill>
         <p:spPr>
           <a:xfrm>
-            <a:off x="8884938" y="428624"/>
+            <a:off x="8969433" y="314324"/>
             <a:ext cx="3070446" cy="6000751"/>
           </a:xfrm>
           <a:prstGeom prst="rect">
@@ -6828,44 +6739,16 @@
           </p:cNvPicPr>
           <p:nvPr/>
         </p:nvPicPr>
-        <p:blipFill rotWithShape="1">
+        <p:blipFill>
           <a:blip r:embed="rId4"/>
-          <a:srcRect r="3617"/>
-          <a:stretch/>
+          <a:stretch>
+            <a:fillRect/>
+          </a:stretch>
         </p:blipFill>
         <p:spPr>
           <a:xfrm>
-            <a:off x="456987" y="1179967"/>
-            <a:ext cx="5189171" cy="5299241"/>
-          </a:xfrm>
-          <a:prstGeom prst="rect">
-            <a:avLst/>
-          </a:prstGeom>
-        </p:spPr>
-      </p:pic>
-      <p:pic>
-        <p:nvPicPr>
-          <p:cNvPr id="3" name="Obraz 2">
-            <a:extLst>
-              <a:ext uri="{FF2B5EF4-FFF2-40B4-BE49-F238E27FC236}">
-                <a16:creationId xmlns:a16="http://schemas.microsoft.com/office/drawing/2014/main" id="{D547A6E7-CB3C-D651-EC29-BA62D0296787}"/>
-              </a:ext>
-            </a:extLst>
-          </p:cNvPr>
-          <p:cNvPicPr>
-            <a:picLocks noChangeAspect="1"/>
-          </p:cNvPicPr>
-          <p:nvPr/>
-        </p:nvPicPr>
-        <p:blipFill rotWithShape="1">
-          <a:blip r:embed="rId2"/>
-          <a:srcRect l="49790"/>
-          <a:stretch/>
-        </p:blipFill>
-        <p:spPr>
-          <a:xfrm>
-            <a:off x="5780221" y="3829588"/>
-            <a:ext cx="2866609" cy="2908466"/>
+            <a:off x="766495" y="1557313"/>
+            <a:ext cx="2882791" cy="2837453"/>
           </a:xfrm>
           <a:prstGeom prst="rect">
             <a:avLst/>

--- a/projekt_dl/SIGN LANGAUGE MNIST.pptx
+++ b/projekt_dl/SIGN LANGAUGE MNIST.pptx
@@ -275,7 +275,7 @@
           <a:p>
             <a:fld id="{203E222E-0805-4CAD-B87C-507E4F056BAA}" type="datetimeFigureOut">
               <a:rPr lang="pl-PL" smtClean="0"/>
-              <a:t>22.10.2022</a:t>
+              <a:t>23.10.2022</a:t>
             </a:fld>
             <a:endParaRPr lang="pl-PL"/>
           </a:p>
@@ -473,7 +473,7 @@
           <a:p>
             <a:fld id="{203E222E-0805-4CAD-B87C-507E4F056BAA}" type="datetimeFigureOut">
               <a:rPr lang="pl-PL" smtClean="0"/>
-              <a:t>22.10.2022</a:t>
+              <a:t>23.10.2022</a:t>
             </a:fld>
             <a:endParaRPr lang="pl-PL"/>
           </a:p>
@@ -681,7 +681,7 @@
           <a:p>
             <a:fld id="{203E222E-0805-4CAD-B87C-507E4F056BAA}" type="datetimeFigureOut">
               <a:rPr lang="pl-PL" smtClean="0"/>
-              <a:t>22.10.2022</a:t>
+              <a:t>23.10.2022</a:t>
             </a:fld>
             <a:endParaRPr lang="pl-PL"/>
           </a:p>
@@ -879,7 +879,7 @@
           <a:p>
             <a:fld id="{203E222E-0805-4CAD-B87C-507E4F056BAA}" type="datetimeFigureOut">
               <a:rPr lang="pl-PL" smtClean="0"/>
-              <a:t>22.10.2022</a:t>
+              <a:t>23.10.2022</a:t>
             </a:fld>
             <a:endParaRPr lang="pl-PL"/>
           </a:p>
@@ -1154,7 +1154,7 @@
           <a:p>
             <a:fld id="{203E222E-0805-4CAD-B87C-507E4F056BAA}" type="datetimeFigureOut">
               <a:rPr lang="pl-PL" smtClean="0"/>
-              <a:t>22.10.2022</a:t>
+              <a:t>23.10.2022</a:t>
             </a:fld>
             <a:endParaRPr lang="pl-PL"/>
           </a:p>
@@ -1419,7 +1419,7 @@
           <a:p>
             <a:fld id="{203E222E-0805-4CAD-B87C-507E4F056BAA}" type="datetimeFigureOut">
               <a:rPr lang="pl-PL" smtClean="0"/>
-              <a:t>22.10.2022</a:t>
+              <a:t>23.10.2022</a:t>
             </a:fld>
             <a:endParaRPr lang="pl-PL"/>
           </a:p>
@@ -1831,7 +1831,7 @@
           <a:p>
             <a:fld id="{203E222E-0805-4CAD-B87C-507E4F056BAA}" type="datetimeFigureOut">
               <a:rPr lang="pl-PL" smtClean="0"/>
-              <a:t>22.10.2022</a:t>
+              <a:t>23.10.2022</a:t>
             </a:fld>
             <a:endParaRPr lang="pl-PL"/>
           </a:p>
@@ -1972,7 +1972,7 @@
           <a:p>
             <a:fld id="{203E222E-0805-4CAD-B87C-507E4F056BAA}" type="datetimeFigureOut">
               <a:rPr lang="pl-PL" smtClean="0"/>
-              <a:t>22.10.2022</a:t>
+              <a:t>23.10.2022</a:t>
             </a:fld>
             <a:endParaRPr lang="pl-PL"/>
           </a:p>
@@ -2085,7 +2085,7 @@
           <a:p>
             <a:fld id="{203E222E-0805-4CAD-B87C-507E4F056BAA}" type="datetimeFigureOut">
               <a:rPr lang="pl-PL" smtClean="0"/>
-              <a:t>22.10.2022</a:t>
+              <a:t>23.10.2022</a:t>
             </a:fld>
             <a:endParaRPr lang="pl-PL"/>
           </a:p>
@@ -2396,7 +2396,7 @@
           <a:p>
             <a:fld id="{203E222E-0805-4CAD-B87C-507E4F056BAA}" type="datetimeFigureOut">
               <a:rPr lang="pl-PL" smtClean="0"/>
-              <a:t>22.10.2022</a:t>
+              <a:t>23.10.2022</a:t>
             </a:fld>
             <a:endParaRPr lang="pl-PL"/>
           </a:p>
@@ -2684,7 +2684,7 @@
           <a:p>
             <a:fld id="{203E222E-0805-4CAD-B87C-507E4F056BAA}" type="datetimeFigureOut">
               <a:rPr lang="pl-PL" smtClean="0"/>
-              <a:t>22.10.2022</a:t>
+              <a:t>23.10.2022</a:t>
             </a:fld>
             <a:endParaRPr lang="pl-PL"/>
           </a:p>
@@ -2925,7 +2925,7 @@
           <a:p>
             <a:fld id="{203E222E-0805-4CAD-B87C-507E4F056BAA}" type="datetimeFigureOut">
               <a:rPr lang="pl-PL" smtClean="0"/>
-              <a:t>22.10.2022</a:t>
+              <a:t>23.10.2022</a:t>
             </a:fld>
             <a:endParaRPr lang="pl-PL"/>
           </a:p>
@@ -3609,7 +3609,7 @@
         </p:nvSpPr>
         <p:spPr>
           <a:xfrm>
-            <a:off x="838200" y="365125"/>
+            <a:off x="1738312" y="244473"/>
             <a:ext cx="8715375" cy="1101725"/>
           </a:xfrm>
           <a:solidFill>
@@ -3649,25 +3649,24 @@
             <p:ph idx="1"/>
           </p:nvPr>
         </p:nvPicPr>
-        <p:blipFill>
+        <p:blipFill rotWithShape="1">
           <a:blip r:embed="rId2"/>
-          <a:stretch>
-            <a:fillRect/>
-          </a:stretch>
+          <a:srcRect t="1" b="2232"/>
+          <a:stretch/>
         </p:blipFill>
         <p:spPr>
           <a:xfrm>
-            <a:off x="7554001" y="1711326"/>
-            <a:ext cx="3146730" cy="4351338"/>
+            <a:off x="8007546" y="1544072"/>
+            <a:ext cx="3749725" cy="5069455"/>
           </a:xfrm>
         </p:spPr>
       </p:pic>
       <p:pic>
         <p:nvPicPr>
-          <p:cNvPr id="11" name="Obraz 10">
-            <a:extLst>
-              <a:ext uri="{FF2B5EF4-FFF2-40B4-BE49-F238E27FC236}">
-                <a16:creationId xmlns:a16="http://schemas.microsoft.com/office/drawing/2014/main" id="{0A7228D4-F645-A4A8-12CD-BF6771E5AB35}"/>
+          <p:cNvPr id="4" name="Obraz 3">
+            <a:extLst>
+              <a:ext uri="{FF2B5EF4-FFF2-40B4-BE49-F238E27FC236}">
+                <a16:creationId xmlns:a16="http://schemas.microsoft.com/office/drawing/2014/main" id="{B0D412A6-D331-9EEC-8243-9AB4FF02F721}"/>
               </a:ext>
             </a:extLst>
           </p:cNvPr>
@@ -3684,8 +3683,8 @@
         </p:blipFill>
         <p:spPr>
           <a:xfrm>
-            <a:off x="347678" y="1711326"/>
-            <a:ext cx="5854365" cy="3765550"/>
+            <a:off x="259154" y="2221815"/>
+            <a:ext cx="7548939" cy="3415413"/>
           </a:xfrm>
           <a:prstGeom prst="rect">
             <a:avLst/>
@@ -3773,16 +3772,15 @@
           </p:cNvPicPr>
           <p:nvPr/>
         </p:nvPicPr>
-        <p:blipFill>
+        <p:blipFill rotWithShape="1">
           <a:blip r:embed="rId2"/>
-          <a:stretch>
-            <a:fillRect/>
-          </a:stretch>
+          <a:srcRect t="422"/>
+          <a:stretch/>
         </p:blipFill>
         <p:spPr>
           <a:xfrm>
-            <a:off x="9509760" y="103735"/>
-            <a:ext cx="2036618" cy="6696075"/>
+            <a:off x="9528613" y="95082"/>
+            <a:ext cx="2036618" cy="6667835"/>
           </a:xfrm>
           <a:prstGeom prst="rect">
             <a:avLst/>
@@ -3791,10 +3789,10 @@
       </p:pic>
       <p:pic>
         <p:nvPicPr>
-          <p:cNvPr id="6" name="Symbol zastępczy zawartości 4">
-            <a:extLst>
-              <a:ext uri="{FF2B5EF4-FFF2-40B4-BE49-F238E27FC236}">
-                <a16:creationId xmlns:a16="http://schemas.microsoft.com/office/drawing/2014/main" id="{B7F5A748-8400-FFCC-0E92-8133D3452017}"/>
+          <p:cNvPr id="4" name="Obraz 3">
+            <a:extLst>
+              <a:ext uri="{FF2B5EF4-FFF2-40B4-BE49-F238E27FC236}">
+                <a16:creationId xmlns:a16="http://schemas.microsoft.com/office/drawing/2014/main" id="{B9A1DEED-13B0-748B-CAF3-0B7C70E30FD8}"/>
               </a:ext>
             </a:extLst>
           </p:cNvPr>
@@ -3811,8 +3809,8 @@
         </p:blipFill>
         <p:spPr>
           <a:xfrm>
-            <a:off x="929111" y="1822997"/>
-            <a:ext cx="7766002" cy="4401266"/>
+            <a:off x="245389" y="1480456"/>
+            <a:ext cx="8989134" cy="5113781"/>
           </a:xfrm>
           <a:prstGeom prst="rect">
             <a:avLst/>
@@ -3872,7 +3870,7 @@
         <p:spPr>
           <a:xfrm>
             <a:off x="424506" y="408295"/>
-            <a:ext cx="7339581" cy="5898534"/>
+            <a:ext cx="7339581" cy="6256456"/>
           </a:xfrm>
           <a:prstGeom prst="rect">
             <a:avLst/>
@@ -3881,13 +3879,17 @@
       </p:pic>
       <p:pic>
         <p:nvPicPr>
-          <p:cNvPr id="8" name="Symbol zastępczy zawartości 3"/>
+          <p:cNvPr id="3" name="Obraz 2">
+            <a:extLst>
+              <a:ext uri="{FF2B5EF4-FFF2-40B4-BE49-F238E27FC236}">
+                <a16:creationId xmlns:a16="http://schemas.microsoft.com/office/drawing/2014/main" id="{2BAD7FE2-80F0-4826-D7AF-A413A61378FF}"/>
+              </a:ext>
+            </a:extLst>
+          </p:cNvPr>
           <p:cNvPicPr>
-            <a:picLocks noGrp="1" noChangeAspect="1"/>
+            <a:picLocks noChangeAspect="1"/>
           </p:cNvPicPr>
-          <p:nvPr>
-            <p:ph idx="1"/>
-          </p:nvPr>
+          <p:nvPr/>
         </p:nvPicPr>
         <p:blipFill>
           <a:blip r:embed="rId3"/>
@@ -3897,8 +3899,8 @@
         </p:blipFill>
         <p:spPr>
           <a:xfrm>
-            <a:off x="8726978" y="336765"/>
-            <a:ext cx="2811087" cy="4351338"/>
+            <a:off x="7764087" y="408295"/>
+            <a:ext cx="4210638" cy="6173061"/>
           </a:xfrm>
           <a:prstGeom prst="rect">
             <a:avLst/>
@@ -4008,8 +4010,8 @@
         </p:blipFill>
         <p:spPr>
           <a:xfrm>
-            <a:off x="2961315" y="1532746"/>
-            <a:ext cx="5931016" cy="5016664"/>
+            <a:off x="2499400" y="1249941"/>
+            <a:ext cx="6503197" cy="5500635"/>
           </a:xfrm>
         </p:spPr>
       </p:pic>
@@ -4212,16 +4214,15 @@
             <p:ph idx="1"/>
           </p:nvPr>
         </p:nvPicPr>
-        <p:blipFill>
+        <p:blipFill rotWithShape="1">
           <a:blip r:embed="rId2"/>
-          <a:stretch>
-            <a:fillRect/>
-          </a:stretch>
+          <a:srcRect b="4156"/>
+          <a:stretch/>
         </p:blipFill>
         <p:spPr>
           <a:xfrm>
-            <a:off x="838200" y="1877275"/>
-            <a:ext cx="5487372" cy="3795121"/>
+            <a:off x="838199" y="1877275"/>
+            <a:ext cx="6467573" cy="4287149"/>
           </a:xfrm>
         </p:spPr>
       </p:pic>
@@ -4252,8 +4253,8 @@
         </p:blipFill>
         <p:spPr>
           <a:xfrm>
-            <a:off x="9401696" y="2302626"/>
-            <a:ext cx="1570594" cy="1672752"/>
+            <a:off x="8015955" y="2539588"/>
+            <a:ext cx="2697249" cy="2872689"/>
           </a:xfrm>
           <a:prstGeom prst="rect">
             <a:avLst/>
@@ -4356,8 +4357,8 @@
         </p:blipFill>
         <p:spPr>
           <a:xfrm>
-            <a:off x="3147881" y="1635124"/>
-            <a:ext cx="5724787" cy="4537075"/>
+            <a:off x="2874503" y="1457326"/>
+            <a:ext cx="6637142" cy="5260145"/>
           </a:xfrm>
         </p:spPr>
       </p:pic>
@@ -4425,7 +4426,7 @@
           <a:bodyPr/>
           <a:lstStyle/>
           <a:p>
-            <a:pPr algn="r"/>
+            <a:pPr algn="ctr"/>
             <a:r>
               <a:rPr lang="pl-PL" b="1" i="1" dirty="0"/>
               <a:t>Dziękujemy   </a:t>
@@ -5830,20 +5831,20 @@
             <p:ph idx="1"/>
             <p:extLst>
               <p:ext uri="{D42A27DB-BD31-4B8C-83A1-F6EECF244321}">
-                <p14:modId xmlns:p14="http://schemas.microsoft.com/office/powerpoint/2010/main" val="1727137503"/>
+                <p14:modId xmlns:p14="http://schemas.microsoft.com/office/powerpoint/2010/main" val="562364728"/>
               </p:ext>
             </p:extLst>
           </p:nvPr>
         </p:nvGraphicFramePr>
         <p:xfrm>
-          <a:off x="838200" y="1825625"/>
-          <a:ext cx="10515600" cy="3037840"/>
+          <a:off x="838200" y="1550126"/>
+          <a:ext cx="10515600" cy="4685211"/>
         </p:xfrm>
         <a:graphic>
           <a:graphicData uri="http://schemas.openxmlformats.org/drawingml/2006/table">
             <a:tbl>
               <a:tblPr firstRow="1" bandRow="1">
-                <a:tableStyleId>{5C22544A-7EE6-4342-B048-85BDC9FD1C3A}</a:tableStyleId>
+                <a:tableStyleId>{0505E3EF-67EA-436B-97B2-0124C06EBD24}</a:tableStyleId>
               </a:tblPr>
               <a:tblGrid>
                 <a:gridCol w="1323109">
@@ -5875,19 +5876,21 @@
                   </a:extLst>
                 </a:gridCol>
               </a:tblGrid>
-              <a:tr h="370840">
+              <a:tr h="646339">
                 <a:tc>
                   <a:txBody>
                     <a:bodyPr/>
                     <a:lstStyle/>
                     <a:p>
                       <a:r>
-                        <a:rPr lang="pl-PL" dirty="0"/>
+                        <a:rPr lang="pl-PL" dirty="0">
+                          <a:latin typeface="+mj-lt"/>
+                        </a:rPr>
                         <a:t>Model</a:t>
                       </a:r>
                     </a:p>
                   </a:txBody>
-                  <a:tcPr/>
+                  <a:tcPr anchor="ctr"/>
                 </a:tc>
                 <a:tc>
                   <a:txBody>
@@ -5895,13 +5898,17 @@
                     <a:lstStyle/>
                     <a:p>
                       <a:r>
-                        <a:rPr lang="pl-PL" dirty="0" err="1"/>
+                        <a:rPr lang="pl-PL" dirty="0" err="1">
+                          <a:latin typeface="+mj-lt"/>
+                        </a:rPr>
                         <a:t>Accuracy</a:t>
                       </a:r>
-                      <a:endParaRPr lang="pl-PL" dirty="0"/>
+                      <a:endParaRPr lang="pl-PL" dirty="0">
+                        <a:latin typeface="+mj-lt"/>
+                      </a:endParaRPr>
                     </a:p>
                   </a:txBody>
-                  <a:tcPr/>
+                  <a:tcPr anchor="ctr"/>
                 </a:tc>
                 <a:tc>
                   <a:txBody>
@@ -5909,12 +5916,14 @@
                     <a:lstStyle/>
                     <a:p>
                       <a:r>
-                        <a:rPr lang="pl-PL" dirty="0"/>
+                        <a:rPr lang="pl-PL" dirty="0">
+                          <a:latin typeface="+mj-lt"/>
+                        </a:rPr>
                         <a:t>Liczba warstw</a:t>
                       </a:r>
                     </a:p>
                   </a:txBody>
-                  <a:tcPr/>
+                  <a:tcPr anchor="ctr"/>
                 </a:tc>
                 <a:tc>
                   <a:txBody>
@@ -5922,12 +5931,14 @@
                     <a:lstStyle/>
                     <a:p>
                       <a:r>
-                        <a:rPr lang="pl-PL" dirty="0"/>
+                        <a:rPr lang="pl-PL" dirty="0">
+                          <a:latin typeface="+mj-lt"/>
+                        </a:rPr>
                         <a:t>Zastosowano dodatkowo</a:t>
                       </a:r>
                     </a:p>
                   </a:txBody>
-                  <a:tcPr/>
+                  <a:tcPr anchor="ctr"/>
                 </a:tc>
                 <a:extLst>
                   <a:ext uri="{0D108BD9-81ED-4DB2-BD59-A6C34878D82A}">
@@ -5935,19 +5946,53 @@
                   </a:ext>
                 </a:extLst>
               </a:tr>
-              <a:tr h="370840">
+              <a:tr h="668655">
                 <a:tc>
                   <a:txBody>
                     <a:bodyPr/>
                     <a:lstStyle/>
                     <a:p>
                       <a:r>
-                        <a:rPr lang="pl-PL" dirty="0"/>
+                        <a:rPr lang="pl-PL" dirty="0">
+                          <a:latin typeface="+mj-lt"/>
+                        </a:rPr>
                         <a:t>Model_1</a:t>
                       </a:r>
                     </a:p>
                   </a:txBody>
-                  <a:tcPr/>
+                  <a:tcPr anchor="ctr"/>
+                </a:tc>
+                <a:tc>
+                  <a:txBody>
+                    <a:bodyPr/>
+                    <a:lstStyle/>
+                    <a:p>
+                      <a:pPr algn="ctr"/>
+                      <a:r>
+                        <a:rPr lang="pl-PL" dirty="0">
+                          <a:latin typeface="+mj-lt"/>
+                        </a:rPr>
+                        <a:t>0,8658</a:t>
+                      </a:r>
+                    </a:p>
+                  </a:txBody>
+                  <a:tcPr anchor="ctr"/>
+                </a:tc>
+                <a:tc>
+                  <a:txBody>
+                    <a:bodyPr/>
+                    <a:lstStyle/>
+                    <a:p>
+                      <a:pPr algn="ctr"/>
+                      <a:r>
+                        <a:rPr lang="pl-PL" dirty="0">
+                          <a:latin typeface="+mj-lt"/>
+                        </a:rPr>
+                        <a:t>9</a:t>
+                      </a:r>
+                    </a:p>
+                  </a:txBody>
+                  <a:tcPr anchor="ctr"/>
                 </a:tc>
                 <a:tc>
                   <a:txBody>
@@ -5955,12 +6000,68 @@
                     <a:lstStyle/>
                     <a:p>
                       <a:r>
-                        <a:rPr lang="pl-PL" dirty="0"/>
-                        <a:t>0,8658</a:t>
+                        <a:rPr lang="pl-PL" dirty="0">
+                          <a:latin typeface="+mj-lt"/>
+                        </a:rPr>
+                        <a:t>-</a:t>
                       </a:r>
                     </a:p>
                   </a:txBody>
-                  <a:tcPr/>
+                  <a:tcPr anchor="ctr"/>
+                </a:tc>
+                <a:extLst>
+                  <a:ext uri="{0D108BD9-81ED-4DB2-BD59-A6C34878D82A}">
+                    <a16:rowId xmlns:a16="http://schemas.microsoft.com/office/drawing/2014/main" val="2509102346"/>
+                  </a:ext>
+                </a:extLst>
+              </a:tr>
+              <a:tr h="627017">
+                <a:tc>
+                  <a:txBody>
+                    <a:bodyPr/>
+                    <a:lstStyle/>
+                    <a:p>
+                      <a:r>
+                        <a:rPr lang="pl-PL" dirty="0">
+                          <a:latin typeface="+mj-lt"/>
+                        </a:rPr>
+                        <a:t>Model_2</a:t>
+                      </a:r>
+                    </a:p>
+                  </a:txBody>
+                  <a:tcPr anchor="ctr"/>
+                </a:tc>
+                <a:tc>
+                  <a:txBody>
+                    <a:bodyPr/>
+                    <a:lstStyle/>
+                    <a:p>
+                      <a:pPr algn="ctr"/>
+                      <a:r>
+                        <a:rPr lang="pl-PL" dirty="0">
+                          <a:latin typeface="+mj-lt"/>
+                        </a:rPr>
+                        <a:t>0,9464</a:t>
+                      </a:r>
+                    </a:p>
+                  </a:txBody>
+                  <a:tcPr anchor="ctr"/>
+                </a:tc>
+                <a:tc>
+                  <a:txBody>
+                    <a:bodyPr/>
+                    <a:lstStyle/>
+                    <a:p>
+                      <a:pPr algn="ctr"/>
+                      <a:r>
+                        <a:rPr lang="pl-PL" dirty="0">
+                          <a:latin typeface="+mj-lt"/>
+                        </a:rPr>
+                        <a:t>10</a:t>
+                      </a:r>
+                    </a:p>
+                  </a:txBody>
+                  <a:tcPr anchor="ctr"/>
                 </a:tc>
                 <a:tc>
                   <a:txBody>
@@ -5968,78 +6069,14 @@
                     <a:lstStyle/>
                     <a:p>
                       <a:r>
-                        <a:rPr lang="pl-PL" dirty="0"/>
-                        <a:t>9</a:t>
+                        <a:rPr lang="pl-PL" dirty="0">
+                          <a:latin typeface="+mj-lt"/>
+                        </a:rPr>
+                        <a:t>-</a:t>
                       </a:r>
                     </a:p>
                   </a:txBody>
-                  <a:tcPr/>
-                </a:tc>
-                <a:tc>
-                  <a:txBody>
-                    <a:bodyPr/>
-                    <a:lstStyle/>
-                    <a:p>
-                      <a:endParaRPr lang="pl-PL" dirty="0"/>
-                    </a:p>
-                  </a:txBody>
-                  <a:tcPr/>
-                </a:tc>
-                <a:extLst>
-                  <a:ext uri="{0D108BD9-81ED-4DB2-BD59-A6C34878D82A}">
-                    <a16:rowId xmlns:a16="http://schemas.microsoft.com/office/drawing/2014/main" val="2509102346"/>
-                  </a:ext>
-                </a:extLst>
-              </a:tr>
-              <a:tr h="370840">
-                <a:tc>
-                  <a:txBody>
-                    <a:bodyPr/>
-                    <a:lstStyle/>
-                    <a:p>
-                      <a:r>
-                        <a:rPr lang="pl-PL" dirty="0"/>
-                        <a:t>Model_2</a:t>
-                      </a:r>
-                    </a:p>
-                  </a:txBody>
-                  <a:tcPr/>
-                </a:tc>
-                <a:tc>
-                  <a:txBody>
-                    <a:bodyPr/>
-                    <a:lstStyle/>
-                    <a:p>
-                      <a:r>
-                        <a:rPr lang="pl-PL" dirty="0"/>
-                        <a:t>0,9464</a:t>
-                      </a:r>
-                    </a:p>
-                  </a:txBody>
-                  <a:tcPr/>
-                </a:tc>
-                <a:tc>
-                  <a:txBody>
-                    <a:bodyPr/>
-                    <a:lstStyle/>
-                    <a:p>
-                      <a:r>
-                        <a:rPr lang="pl-PL" dirty="0"/>
-                        <a:t>10</a:t>
-                      </a:r>
-                    </a:p>
-                  </a:txBody>
-                  <a:tcPr/>
-                </a:tc>
-                <a:tc>
-                  <a:txBody>
-                    <a:bodyPr/>
-                    <a:lstStyle/>
-                    <a:p>
-                      <a:endParaRPr lang="pl-PL" dirty="0"/>
-                    </a:p>
-                  </a:txBody>
-                  <a:tcPr/>
+                  <a:tcPr anchor="ctr"/>
                 </a:tc>
                 <a:extLst>
                   <a:ext uri="{0D108BD9-81ED-4DB2-BD59-A6C34878D82A}">
@@ -6054,38 +6091,46 @@
                     <a:lstStyle/>
                     <a:p>
                       <a:r>
-                        <a:rPr lang="pl-PL" dirty="0"/>
+                        <a:rPr lang="pl-PL" dirty="0">
+                          <a:latin typeface="+mj-lt"/>
+                        </a:rPr>
                         <a:t>Model_3</a:t>
                       </a:r>
                     </a:p>
                   </a:txBody>
-                  <a:tcPr/>
+                  <a:tcPr anchor="ctr"/>
                 </a:tc>
                 <a:tc>
                   <a:txBody>
                     <a:bodyPr/>
                     <a:lstStyle/>
                     <a:p>
+                      <a:pPr algn="ctr"/>
                       <a:r>
-                        <a:rPr lang="pl-PL" dirty="0"/>
+                        <a:rPr lang="pl-PL" dirty="0">
+                          <a:latin typeface="+mj-lt"/>
+                        </a:rPr>
                         <a:t>0,8626</a:t>
                       </a:r>
                     </a:p>
                   </a:txBody>
-                  <a:tcPr/>
+                  <a:tcPr anchor="ctr"/>
                 </a:tc>
                 <a:tc>
                   <a:txBody>
                     <a:bodyPr/>
                     <a:lstStyle/>
                     <a:p>
+                      <a:pPr algn="ctr"/>
                       <a:r>
-                        <a:rPr lang="pl-PL" dirty="0"/>
+                        <a:rPr lang="pl-PL" dirty="0">
+                          <a:latin typeface="+mj-lt"/>
+                        </a:rPr>
                         <a:t>13</a:t>
                       </a:r>
                     </a:p>
                   </a:txBody>
-                  <a:tcPr/>
+                  <a:tcPr anchor="ctr"/>
                 </a:tc>
                 <a:tc>
                   <a:txBody>
@@ -6110,22 +6155,43 @@
                         <a:defRPr/>
                       </a:pPr>
                       <a:r>
-                        <a:rPr lang="pl-PL" dirty="0" err="1"/>
+                        <a:rPr lang="pl-PL" dirty="0" err="1">
+                          <a:latin typeface="+mj-lt"/>
+                        </a:rPr>
                         <a:t>Dropout</a:t>
                       </a:r>
                       <a:r>
-                        <a:rPr lang="pl-PL" dirty="0"/>
+                        <a:rPr lang="pl-PL" dirty="0">
+                          <a:latin typeface="+mj-lt"/>
+                        </a:rPr>
                         <a:t>, </a:t>
                       </a:r>
+                    </a:p>
+                    <a:p>
+                      <a:pPr marL="0" marR="0" lvl="0" indent="0" algn="l" defTabSz="914400" rtl="0" eaLnBrk="1" fontAlgn="auto" latinLnBrk="0" hangingPunct="1">
+                        <a:lnSpc>
+                          <a:spcPct val="100000"/>
+                        </a:lnSpc>
+                        <a:spcBef>
+                          <a:spcPts val="0"/>
+                        </a:spcBef>
+                        <a:spcAft>
+                          <a:spcPts val="0"/>
+                        </a:spcAft>
+                        <a:buClrTx/>
+                        <a:buSzTx/>
+                        <a:buFontTx/>
+                        <a:buNone/>
+                        <a:tabLst/>
+                        <a:defRPr/>
+                      </a:pPr>
                       <a:r>
-                        <a:rPr lang="pl-PL" sz="1800" b="0" i="0" kern="1200" dirty="0" err="1">
+                        <a:rPr lang="pl-PL" sz="1800" b="0" kern="1200" dirty="0" err="1">
                           <a:solidFill>
                             <a:schemeClr val="dk1"/>
                           </a:solidFill>
                           <a:effectLst/>
-                          <a:latin typeface="+mn-lt"/>
-                          <a:ea typeface="+mn-ea"/>
-                          <a:cs typeface="+mn-cs"/>
+                          <a:latin typeface="+mj-lt"/>
                         </a:rPr>
                         <a:t>BatchNormalization</a:t>
                       </a:r>
@@ -6134,13 +6200,13 @@
                           <a:schemeClr val="dk1"/>
                         </a:solidFill>
                         <a:effectLst/>
-                        <a:latin typeface="+mn-lt"/>
+                        <a:latin typeface="+mj-lt"/>
                         <a:ea typeface="+mn-ea"/>
                         <a:cs typeface="+mn-cs"/>
                       </a:endParaRPr>
                     </a:p>
                   </a:txBody>
-                  <a:tcPr/>
+                  <a:tcPr anchor="ctr"/>
                 </a:tc>
                 <a:extLst>
                   <a:ext uri="{0D108BD9-81ED-4DB2-BD59-A6C34878D82A}">
@@ -6155,38 +6221,46 @@
                     <a:lstStyle/>
                     <a:p>
                       <a:r>
-                        <a:rPr lang="pl-PL" dirty="0"/>
+                        <a:rPr lang="pl-PL" dirty="0">
+                          <a:latin typeface="+mj-lt"/>
+                        </a:rPr>
                         <a:t>Model_4</a:t>
                       </a:r>
                     </a:p>
                   </a:txBody>
-                  <a:tcPr/>
+                  <a:tcPr anchor="ctr"/>
                 </a:tc>
                 <a:tc>
                   <a:txBody>
                     <a:bodyPr/>
                     <a:lstStyle/>
                     <a:p>
+                      <a:pPr algn="ctr"/>
                       <a:r>
-                        <a:rPr lang="pl-PL" dirty="0"/>
+                        <a:rPr lang="pl-PL" dirty="0">
+                          <a:latin typeface="+mj-lt"/>
+                        </a:rPr>
                         <a:t>0,9675</a:t>
                       </a:r>
                     </a:p>
                   </a:txBody>
-                  <a:tcPr/>
+                  <a:tcPr anchor="ctr"/>
                 </a:tc>
                 <a:tc>
                   <a:txBody>
                     <a:bodyPr/>
                     <a:lstStyle/>
                     <a:p>
+                      <a:pPr algn="ctr"/>
                       <a:r>
-                        <a:rPr lang="pl-PL" dirty="0"/>
+                        <a:rPr lang="pl-PL" dirty="0">
+                          <a:latin typeface="+mj-lt"/>
+                        </a:rPr>
                         <a:t>13</a:t>
                       </a:r>
                     </a:p>
                   </a:txBody>
-                  <a:tcPr/>
+                  <a:tcPr anchor="ctr"/>
                 </a:tc>
                 <a:tc>
                   <a:txBody>
@@ -6211,70 +6285,102 @@
                         <a:defRPr/>
                       </a:pPr>
                       <a:r>
-                        <a:rPr lang="pl-PL" dirty="0" err="1"/>
+                        <a:rPr lang="pl-PL" dirty="0" err="1">
+                          <a:latin typeface="+mj-lt"/>
+                        </a:rPr>
                         <a:t>Dropout</a:t>
                       </a:r>
                       <a:r>
-                        <a:rPr lang="pl-PL" dirty="0"/>
+                        <a:rPr lang="pl-PL" dirty="0">
+                          <a:latin typeface="+mj-lt"/>
+                        </a:rPr>
                         <a:t>, </a:t>
                       </a:r>
+                    </a:p>
+                    <a:p>
+                      <a:pPr marL="0" marR="0" lvl="0" indent="0" algn="l" defTabSz="914400" rtl="0" eaLnBrk="1" fontAlgn="auto" latinLnBrk="0" hangingPunct="1">
+                        <a:lnSpc>
+                          <a:spcPct val="100000"/>
+                        </a:lnSpc>
+                        <a:spcBef>
+                          <a:spcPts val="0"/>
+                        </a:spcBef>
+                        <a:spcAft>
+                          <a:spcPts val="0"/>
+                        </a:spcAft>
+                        <a:buClrTx/>
+                        <a:buSzTx/>
+                        <a:buFontTx/>
+                        <a:buNone/>
+                        <a:tabLst/>
+                        <a:defRPr/>
+                      </a:pPr>
                       <a:r>
-                        <a:rPr lang="pl-PL" sz="1800" b="0" i="0" kern="1200" dirty="0" err="1">
+                        <a:rPr lang="pl-PL" sz="1800" b="0" kern="1200" dirty="0" err="1">
                           <a:solidFill>
                             <a:schemeClr val="dk1"/>
                           </a:solidFill>
                           <a:effectLst/>
-                          <a:latin typeface="+mn-lt"/>
-                          <a:ea typeface="+mn-ea"/>
-                          <a:cs typeface="+mn-cs"/>
+                          <a:latin typeface="+mj-lt"/>
                         </a:rPr>
                         <a:t>BatchNormalization</a:t>
                       </a:r>
                       <a:r>
-                        <a:rPr lang="pl-PL" sz="1800" b="0" i="0" kern="1200" dirty="0">
+                        <a:rPr lang="pl-PL" sz="1800" b="0" kern="1200" dirty="0">
                           <a:solidFill>
                             <a:schemeClr val="dk1"/>
                           </a:solidFill>
                           <a:effectLst/>
-                          <a:latin typeface="+mn-lt"/>
-                          <a:ea typeface="+mn-ea"/>
-                          <a:cs typeface="+mn-cs"/>
+                          <a:latin typeface="+mj-lt"/>
                         </a:rPr>
                         <a:t>,</a:t>
                       </a:r>
                       <a:r>
-                        <a:rPr lang="pl-PL" sz="1800" b="0" i="0" kern="1200" baseline="0" dirty="0">
+                        <a:rPr lang="pl-PL" sz="1800" b="0" kern="1200" baseline="0" dirty="0">
                           <a:solidFill>
                             <a:schemeClr val="dk1"/>
                           </a:solidFill>
                           <a:effectLst/>
-                          <a:latin typeface="+mn-lt"/>
-                          <a:ea typeface="+mn-ea"/>
-                          <a:cs typeface="+mn-cs"/>
+                          <a:latin typeface="+mj-lt"/>
                         </a:rPr>
                         <a:t> </a:t>
                       </a:r>
+                    </a:p>
+                    <a:p>
+                      <a:pPr marL="0" marR="0" lvl="0" indent="0" algn="l" defTabSz="914400" rtl="0" eaLnBrk="1" fontAlgn="auto" latinLnBrk="0" hangingPunct="1">
+                        <a:lnSpc>
+                          <a:spcPct val="100000"/>
+                        </a:lnSpc>
+                        <a:spcBef>
+                          <a:spcPts val="0"/>
+                        </a:spcBef>
+                        <a:spcAft>
+                          <a:spcPts val="0"/>
+                        </a:spcAft>
+                        <a:buClrTx/>
+                        <a:buSzTx/>
+                        <a:buFontTx/>
+                        <a:buNone/>
+                        <a:tabLst/>
+                        <a:defRPr/>
+                      </a:pPr>
                       <a:r>
-                        <a:rPr lang="pl-PL" sz="1800" b="0" i="0" kern="1200" baseline="0" dirty="0" err="1">
+                        <a:rPr lang="pl-PL" sz="1800" b="0" kern="1200" baseline="0" dirty="0" err="1">
                           <a:solidFill>
                             <a:schemeClr val="dk1"/>
                           </a:solidFill>
                           <a:effectLst/>
-                          <a:latin typeface="+mn-lt"/>
-                          <a:ea typeface="+mn-ea"/>
-                          <a:cs typeface="+mn-cs"/>
+                          <a:latin typeface="+mj-lt"/>
                         </a:rPr>
                         <a:t>Callbacks</a:t>
                       </a:r>
                       <a:r>
-                        <a:rPr lang="pl-PL" sz="1800" b="0" i="0" kern="1200" baseline="0" dirty="0">
+                        <a:rPr lang="pl-PL" sz="1800" b="0" kern="1200" baseline="0" dirty="0">
                           <a:solidFill>
                             <a:schemeClr val="dk1"/>
                           </a:solidFill>
                           <a:effectLst/>
-                          <a:latin typeface="+mn-lt"/>
-                          <a:ea typeface="+mn-ea"/>
-                          <a:cs typeface="+mn-cs"/>
+                          <a:latin typeface="+mj-lt"/>
                         </a:rPr>
                         <a:t> (</a:t>
                       </a:r>
@@ -6284,9 +6390,7 @@
                             <a:schemeClr val="dk1"/>
                           </a:solidFill>
                           <a:effectLst/>
-                          <a:latin typeface="+mn-lt"/>
-                          <a:ea typeface="+mn-ea"/>
-                          <a:cs typeface="+mn-cs"/>
+                          <a:latin typeface="+mj-lt"/>
                         </a:rPr>
                         <a:t>EarlyStopping</a:t>
                       </a:r>
@@ -6296,11 +6400,9 @@
                             <a:schemeClr val="dk1"/>
                           </a:solidFill>
                           <a:effectLst/>
-                          <a:latin typeface="+mn-lt"/>
-                          <a:ea typeface="+mn-ea"/>
-                          <a:cs typeface="+mn-cs"/>
+                          <a:latin typeface="+mj-lt"/>
                         </a:rPr>
-                        <a:t> -</a:t>
+                        <a:t> - </a:t>
                       </a:r>
                       <a:r>
                         <a:rPr lang="pl-PL" sz="1800" b="0" kern="1200" dirty="0" err="1">
@@ -6308,9 +6410,7 @@
                             <a:schemeClr val="dk1"/>
                           </a:solidFill>
                           <a:effectLst/>
-                          <a:latin typeface="+mn-lt"/>
-                          <a:ea typeface="+mn-ea"/>
-                          <a:cs typeface="+mn-cs"/>
+                          <a:latin typeface="+mj-lt"/>
                         </a:rPr>
                         <a:t>patience</a:t>
                       </a:r>
@@ -6320,9 +6420,7 @@
                             <a:schemeClr val="dk1"/>
                           </a:solidFill>
                           <a:effectLst/>
-                          <a:latin typeface="+mn-lt"/>
-                          <a:ea typeface="+mn-ea"/>
-                          <a:cs typeface="+mn-cs"/>
+                          <a:latin typeface="+mj-lt"/>
                         </a:rPr>
                         <a:t>=10, </a:t>
                       </a:r>
@@ -6332,9 +6430,7 @@
                             <a:schemeClr val="dk1"/>
                           </a:solidFill>
                           <a:effectLst/>
-                          <a:latin typeface="+mn-lt"/>
-                          <a:ea typeface="+mn-ea"/>
-                          <a:cs typeface="+mn-cs"/>
+                          <a:latin typeface="+mj-lt"/>
                         </a:rPr>
                         <a:t>ReduceLROnPlateau</a:t>
                       </a:r>
@@ -6344,9 +6440,7 @@
                             <a:schemeClr val="dk1"/>
                           </a:solidFill>
                           <a:effectLst/>
-                          <a:latin typeface="+mn-lt"/>
-                          <a:ea typeface="+mn-ea"/>
-                          <a:cs typeface="+mn-cs"/>
+                          <a:latin typeface="+mj-lt"/>
                         </a:rPr>
                         <a:t>)</a:t>
                       </a:r>
@@ -6355,13 +6449,13 @@
                           <a:schemeClr val="dk1"/>
                         </a:solidFill>
                         <a:effectLst/>
-                        <a:latin typeface="+mn-lt"/>
+                        <a:latin typeface="+mj-lt"/>
                         <a:ea typeface="+mn-ea"/>
                         <a:cs typeface="+mn-cs"/>
                       </a:endParaRPr>
                     </a:p>
                   </a:txBody>
-                  <a:tcPr/>
+                  <a:tcPr anchor="ctr"/>
                 </a:tc>
                 <a:extLst>
                   <a:ext uri="{0D108BD9-81ED-4DB2-BD59-A6C34878D82A}">
@@ -6376,38 +6470,46 @@
                     <a:lstStyle/>
                     <a:p>
                       <a:r>
-                        <a:rPr lang="pl-PL" dirty="0"/>
+                        <a:rPr lang="pl-PL" dirty="0">
+                          <a:latin typeface="+mj-lt"/>
+                        </a:rPr>
                         <a:t>Model_5</a:t>
                       </a:r>
                     </a:p>
                   </a:txBody>
-                  <a:tcPr/>
+                  <a:tcPr anchor="ctr"/>
                 </a:tc>
                 <a:tc>
                   <a:txBody>
                     <a:bodyPr/>
                     <a:lstStyle/>
                     <a:p>
+                      <a:pPr algn="ctr"/>
                       <a:r>
-                        <a:rPr lang="pl-PL" dirty="0"/>
-                        <a:t>0,9979</a:t>
+                        <a:rPr lang="pl-PL" dirty="0">
+                          <a:latin typeface="+mj-lt"/>
+                        </a:rPr>
+                        <a:t>1,0000</a:t>
                       </a:r>
                     </a:p>
                   </a:txBody>
-                  <a:tcPr/>
+                  <a:tcPr anchor="ctr"/>
                 </a:tc>
                 <a:tc>
                   <a:txBody>
                     <a:bodyPr/>
                     <a:lstStyle/>
                     <a:p>
+                      <a:pPr algn="ctr"/>
                       <a:r>
-                        <a:rPr lang="pl-PL" dirty="0"/>
+                        <a:rPr lang="pl-PL" dirty="0">
+                          <a:latin typeface="+mj-lt"/>
+                        </a:rPr>
                         <a:t>13</a:t>
                       </a:r>
                     </a:p>
                   </a:txBody>
-                  <a:tcPr/>
+                  <a:tcPr anchor="ctr"/>
                 </a:tc>
                 <a:tc>
                   <a:txBody>
@@ -6432,70 +6534,102 @@
                         <a:defRPr/>
                       </a:pPr>
                       <a:r>
-                        <a:rPr lang="pl-PL" dirty="0" err="1"/>
+                        <a:rPr lang="pl-PL" dirty="0" err="1">
+                          <a:latin typeface="+mj-lt"/>
+                        </a:rPr>
                         <a:t>Dropout</a:t>
                       </a:r>
                       <a:r>
-                        <a:rPr lang="pl-PL" dirty="0"/>
+                        <a:rPr lang="pl-PL" dirty="0">
+                          <a:latin typeface="+mj-lt"/>
+                        </a:rPr>
                         <a:t>, </a:t>
                       </a:r>
+                    </a:p>
+                    <a:p>
+                      <a:pPr marL="0" marR="0" lvl="0" indent="0" algn="l" defTabSz="914400" rtl="0" eaLnBrk="1" fontAlgn="auto" latinLnBrk="0" hangingPunct="1">
+                        <a:lnSpc>
+                          <a:spcPct val="100000"/>
+                        </a:lnSpc>
+                        <a:spcBef>
+                          <a:spcPts val="0"/>
+                        </a:spcBef>
+                        <a:spcAft>
+                          <a:spcPts val="0"/>
+                        </a:spcAft>
+                        <a:buClrTx/>
+                        <a:buSzTx/>
+                        <a:buFontTx/>
+                        <a:buNone/>
+                        <a:tabLst/>
+                        <a:defRPr/>
+                      </a:pPr>
                       <a:r>
-                        <a:rPr lang="pl-PL" sz="1800" b="0" i="0" kern="1200" dirty="0" err="1">
+                        <a:rPr lang="pl-PL" sz="1800" b="0" kern="1200" dirty="0" err="1">
                           <a:solidFill>
                             <a:schemeClr val="dk1"/>
                           </a:solidFill>
                           <a:effectLst/>
-                          <a:latin typeface="+mn-lt"/>
-                          <a:ea typeface="+mn-ea"/>
-                          <a:cs typeface="+mn-cs"/>
+                          <a:latin typeface="+mj-lt"/>
                         </a:rPr>
                         <a:t>BatchNormalization</a:t>
                       </a:r>
                       <a:r>
-                        <a:rPr lang="pl-PL" sz="1800" b="0" i="0" kern="1200" dirty="0">
+                        <a:rPr lang="pl-PL" sz="1800" b="0" kern="1200" dirty="0">
                           <a:solidFill>
                             <a:schemeClr val="dk1"/>
                           </a:solidFill>
                           <a:effectLst/>
-                          <a:latin typeface="+mn-lt"/>
-                          <a:ea typeface="+mn-ea"/>
-                          <a:cs typeface="+mn-cs"/>
+                          <a:latin typeface="+mj-lt"/>
                         </a:rPr>
                         <a:t>,</a:t>
                       </a:r>
                       <a:r>
-                        <a:rPr lang="pl-PL" sz="1800" b="0" i="0" kern="1200" baseline="0" dirty="0">
+                        <a:rPr lang="pl-PL" sz="1800" b="0" kern="1200" baseline="0" dirty="0">
                           <a:solidFill>
                             <a:schemeClr val="dk1"/>
                           </a:solidFill>
                           <a:effectLst/>
-                          <a:latin typeface="+mn-lt"/>
-                          <a:ea typeface="+mn-ea"/>
-                          <a:cs typeface="+mn-cs"/>
+                          <a:latin typeface="+mj-lt"/>
                         </a:rPr>
                         <a:t> </a:t>
                       </a:r>
+                    </a:p>
+                    <a:p>
+                      <a:pPr marL="0" marR="0" lvl="0" indent="0" algn="l" defTabSz="914400" rtl="0" eaLnBrk="1" fontAlgn="auto" latinLnBrk="0" hangingPunct="1">
+                        <a:lnSpc>
+                          <a:spcPct val="100000"/>
+                        </a:lnSpc>
+                        <a:spcBef>
+                          <a:spcPts val="0"/>
+                        </a:spcBef>
+                        <a:spcAft>
+                          <a:spcPts val="0"/>
+                        </a:spcAft>
+                        <a:buClrTx/>
+                        <a:buSzTx/>
+                        <a:buFontTx/>
+                        <a:buNone/>
+                        <a:tabLst/>
+                        <a:defRPr/>
+                      </a:pPr>
                       <a:r>
-                        <a:rPr lang="pl-PL" sz="1800" b="0" i="0" kern="1200" baseline="0" dirty="0" err="1">
+                        <a:rPr lang="pl-PL" sz="1800" b="0" kern="1200" baseline="0" dirty="0" err="1">
                           <a:solidFill>
                             <a:schemeClr val="dk1"/>
                           </a:solidFill>
                           <a:effectLst/>
-                          <a:latin typeface="+mn-lt"/>
-                          <a:ea typeface="+mn-ea"/>
-                          <a:cs typeface="+mn-cs"/>
+                          <a:latin typeface="+mj-lt"/>
                         </a:rPr>
                         <a:t>Callbacks</a:t>
                       </a:r>
                       <a:r>
-                        <a:rPr lang="pl-PL" sz="1800" b="0" i="0" kern="1200" baseline="0" dirty="0">
+                        <a:rPr lang="pl-PL" sz="1800" b="0" kern="1200" baseline="0" dirty="0">
                           <a:solidFill>
                             <a:schemeClr val="dk1"/>
                           </a:solidFill>
                           <a:effectLst/>
-                          <a:latin typeface="+mn-lt"/>
-                          <a:ea typeface="+mn-ea"/>
-                          <a:cs typeface="+mn-cs"/>
+                          <a:latin typeface="+mj-lt"/>
                         </a:rPr>
                         <a:t> (</a:t>
                       </a:r>
@@ -6505,9 +6639,7 @@
                             <a:schemeClr val="dk1"/>
                           </a:solidFill>
                           <a:effectLst/>
-                          <a:latin typeface="+mn-lt"/>
-                          <a:ea typeface="+mn-ea"/>
-                          <a:cs typeface="+mn-cs"/>
+                          <a:latin typeface="+mj-lt"/>
                         </a:rPr>
                         <a:t>EarlyStopping</a:t>
                       </a:r>
@@ -6517,11 +6649,9 @@
                             <a:schemeClr val="dk1"/>
                           </a:solidFill>
                           <a:effectLst/>
-                          <a:latin typeface="+mn-lt"/>
-                          <a:ea typeface="+mn-ea"/>
-                          <a:cs typeface="+mn-cs"/>
+                          <a:latin typeface="+mj-lt"/>
                         </a:rPr>
-                        <a:t> -</a:t>
+                        <a:t> - </a:t>
                       </a:r>
                       <a:r>
                         <a:rPr lang="pl-PL" sz="1800" b="0" kern="1200" dirty="0" err="1">
@@ -6529,9 +6659,7 @@
                             <a:schemeClr val="dk1"/>
                           </a:solidFill>
                           <a:effectLst/>
-                          <a:latin typeface="+mn-lt"/>
-                          <a:ea typeface="+mn-ea"/>
-                          <a:cs typeface="+mn-cs"/>
+                          <a:latin typeface="+mj-lt"/>
                         </a:rPr>
                         <a:t>patience</a:t>
                       </a:r>
@@ -6541,9 +6669,7 @@
                             <a:schemeClr val="dk1"/>
                           </a:solidFill>
                           <a:effectLst/>
-                          <a:latin typeface="+mn-lt"/>
-                          <a:ea typeface="+mn-ea"/>
-                          <a:cs typeface="+mn-cs"/>
+                          <a:latin typeface="+mj-lt"/>
                         </a:rPr>
                         <a:t>=10, </a:t>
                       </a:r>
@@ -6553,9 +6679,7 @@
                             <a:schemeClr val="dk1"/>
                           </a:solidFill>
                           <a:effectLst/>
-                          <a:latin typeface="+mn-lt"/>
-                          <a:ea typeface="+mn-ea"/>
-                          <a:cs typeface="+mn-cs"/>
+                          <a:latin typeface="+mj-lt"/>
                         </a:rPr>
                         <a:t>ReduceLROnPlateau</a:t>
                       </a:r>
@@ -6565,27 +6689,13 @@
                             <a:schemeClr val="dk1"/>
                           </a:solidFill>
                           <a:effectLst/>
-                          <a:latin typeface="+mn-lt"/>
-                          <a:ea typeface="+mn-ea"/>
-                          <a:cs typeface="+mn-cs"/>
+                          <a:latin typeface="+mj-lt"/>
                         </a:rPr>
                         <a:t>), augmentacja</a:t>
                       </a:r>
-                      <a:endParaRPr lang="pl-PL" sz="1800" b="0" i="0" kern="1200" dirty="0">
-                        <a:solidFill>
-                          <a:schemeClr val="dk1"/>
-                        </a:solidFill>
-                        <a:effectLst/>
-                        <a:latin typeface="+mn-lt"/>
-                        <a:ea typeface="+mn-ea"/>
-                        <a:cs typeface="+mn-cs"/>
-                      </a:endParaRPr>
-                    </a:p>
-                    <a:p>
-                      <a:endParaRPr lang="pl-PL" dirty="0"/>
                     </a:p>
                   </a:txBody>
-                  <a:tcPr/>
+                  <a:tcPr anchor="ctr"/>
                 </a:tc>
                 <a:extLst>
                   <a:ext uri="{0D108BD9-81ED-4DB2-BD59-A6C34878D82A}">
@@ -6645,7 +6755,7 @@
         </p:nvSpPr>
         <p:spPr>
           <a:xfrm>
-            <a:off x="838200" y="638175"/>
+            <a:off x="738214" y="204580"/>
             <a:ext cx="7581900" cy="676275"/>
           </a:xfrm>
           <a:solidFill>
@@ -6673,13 +6783,7 @@
       </p:sp>
       <p:pic>
         <p:nvPicPr>
-          <p:cNvPr id="7" name="Obraz 6">
-            <a:extLst>
-              <a:ext uri="{FF2B5EF4-FFF2-40B4-BE49-F238E27FC236}">
-                <a16:creationId xmlns:a16="http://schemas.microsoft.com/office/drawing/2014/main" id="{103376C2-365E-77D6-E8DA-E010B85EF775}"/>
-              </a:ext>
-            </a:extLst>
-          </p:cNvPr>
+          <p:cNvPr id="4" name="Obraz 3"/>
           <p:cNvPicPr>
             <a:picLocks noChangeAspect="1"/>
           </p:cNvPicPr>
@@ -6693,8 +6797,8 @@
         </p:blipFill>
         <p:spPr>
           <a:xfrm>
-            <a:off x="3559234" y="3558943"/>
-            <a:ext cx="5410199" cy="2756132"/>
+            <a:off x="379996" y="1097744"/>
+            <a:ext cx="5129200" cy="5048532"/>
           </a:xfrm>
           <a:prstGeom prst="rect">
             <a:avLst/>
@@ -6703,10 +6807,10 @@
       </p:pic>
       <p:pic>
         <p:nvPicPr>
-          <p:cNvPr id="10" name="Obraz 9">
-            <a:extLst>
-              <a:ext uri="{FF2B5EF4-FFF2-40B4-BE49-F238E27FC236}">
-                <a16:creationId xmlns:a16="http://schemas.microsoft.com/office/drawing/2014/main" id="{8649AA7F-8BB8-36FF-838A-034FD39BED40}"/>
+          <p:cNvPr id="5" name="Obraz 4">
+            <a:extLst>
+              <a:ext uri="{FF2B5EF4-FFF2-40B4-BE49-F238E27FC236}">
+                <a16:creationId xmlns:a16="http://schemas.microsoft.com/office/drawing/2014/main" id="{415D0AEB-C89F-19B3-D916-72F112CBE078}"/>
               </a:ext>
             </a:extLst>
           </p:cNvPr>
@@ -6715,16 +6819,15 @@
           </p:cNvPicPr>
           <p:nvPr/>
         </p:nvPicPr>
-        <p:blipFill>
+        <p:blipFill rotWithShape="1">
           <a:blip r:embed="rId3"/>
-          <a:stretch>
-            <a:fillRect/>
-          </a:stretch>
+          <a:srcRect r="51902"/>
+          <a:stretch/>
         </p:blipFill>
         <p:spPr>
           <a:xfrm>
-            <a:off x="8969433" y="314324"/>
-            <a:ext cx="3070446" cy="6000751"/>
+            <a:off x="5437322" y="1154241"/>
+            <a:ext cx="2882792" cy="2730609"/>
           </a:xfrm>
           <a:prstGeom prst="rect">
             <a:avLst/>
@@ -6733,7 +6836,42 @@
       </p:pic>
       <p:pic>
         <p:nvPicPr>
-          <p:cNvPr id="4" name="Obraz 3"/>
+          <p:cNvPr id="6" name="Obraz 5">
+            <a:extLst>
+              <a:ext uri="{FF2B5EF4-FFF2-40B4-BE49-F238E27FC236}">
+                <a16:creationId xmlns:a16="http://schemas.microsoft.com/office/drawing/2014/main" id="{AAAF8D5A-B5F1-F822-50F3-F6143DD449FF}"/>
+              </a:ext>
+            </a:extLst>
+          </p:cNvPr>
+          <p:cNvPicPr>
+            <a:picLocks noChangeAspect="1"/>
+          </p:cNvPicPr>
+          <p:nvPr/>
+        </p:nvPicPr>
+        <p:blipFill rotWithShape="1">
+          <a:blip r:embed="rId3"/>
+          <a:srcRect l="50498"/>
+          <a:stretch/>
+        </p:blipFill>
+        <p:spPr>
+          <a:xfrm>
+            <a:off x="5509196" y="3884850"/>
+            <a:ext cx="3018661" cy="2768570"/>
+          </a:xfrm>
+          <a:prstGeom prst="rect">
+            <a:avLst/>
+          </a:prstGeom>
+        </p:spPr>
+      </p:pic>
+      <p:pic>
+        <p:nvPicPr>
+          <p:cNvPr id="9" name="Obraz 8">
+            <a:extLst>
+              <a:ext uri="{FF2B5EF4-FFF2-40B4-BE49-F238E27FC236}">
+                <a16:creationId xmlns:a16="http://schemas.microsoft.com/office/drawing/2014/main" id="{E4709E31-9111-35D8-FD44-960DF89FCD36}"/>
+              </a:ext>
+            </a:extLst>
+          </p:cNvPr>
           <p:cNvPicPr>
             <a:picLocks noChangeAspect="1"/>
           </p:cNvPicPr>
@@ -6747,8 +6885,8 @@
         </p:blipFill>
         <p:spPr>
           <a:xfrm>
-            <a:off x="766495" y="1557313"/>
-            <a:ext cx="2882791" cy="2837453"/>
+            <a:off x="8611064" y="489132"/>
+            <a:ext cx="3572374" cy="6068272"/>
           </a:xfrm>
           <a:prstGeom prst="rect">
             <a:avLst/>
